--- a/brapi-website-node/public/docs/BrAPI_101.pptx
+++ b/brapi-website-node/public/docs/BrAPI_101.pptx
@@ -6,13 +6,13 @@
   </p:sldMasterIdLst>
   <p:sldIdLst>
     <p:sldId id="256" r:id="rId2"/>
-    <p:sldId id="260" r:id="rId3"/>
-    <p:sldId id="262" r:id="rId4"/>
-    <p:sldId id="263" r:id="rId5"/>
-    <p:sldId id="264" r:id="rId6"/>
-    <p:sldId id="265" r:id="rId7"/>
-    <p:sldId id="266" r:id="rId8"/>
-    <p:sldId id="273" r:id="rId9"/>
+    <p:sldId id="262" r:id="rId3"/>
+    <p:sldId id="263" r:id="rId4"/>
+    <p:sldId id="264" r:id="rId5"/>
+    <p:sldId id="265" r:id="rId6"/>
+    <p:sldId id="266" r:id="rId7"/>
+    <p:sldId id="273" r:id="rId8"/>
+    <p:sldId id="276" r:id="rId9"/>
     <p:sldId id="274" r:id="rId10"/>
     <p:sldId id="275" r:id="rId11"/>
     <p:sldId id="267" r:id="rId12"/>
@@ -257,7 +257,7 @@
           <a:p>
             <a:fld id="{82A2CD9B-2866-40B9-B522-5B6D6B340C34}" type="datetimeFigureOut">
               <a:rPr lang="en-US" smtClean="0"/>
-              <a:t>2/2/2020</a:t>
+              <a:t>2/1/2021</a:t>
             </a:fld>
             <a:endParaRPr lang="en-US"/>
           </a:p>
@@ -435,7 +435,7 @@
           <a:p>
             <a:fld id="{82A2CD9B-2866-40B9-B522-5B6D6B340C34}" type="datetimeFigureOut">
               <a:rPr lang="en-US" smtClean="0"/>
-              <a:t>2/2/2020</a:t>
+              <a:t>2/1/2021</a:t>
             </a:fld>
             <a:endParaRPr lang="en-US"/>
           </a:p>
@@ -653,7 +653,7 @@
           <a:p>
             <a:fld id="{82A2CD9B-2866-40B9-B522-5B6D6B340C34}" type="datetimeFigureOut">
               <a:rPr lang="en-US" smtClean="0"/>
-              <a:t>2/2/2020</a:t>
+              <a:t>2/1/2021</a:t>
             </a:fld>
             <a:endParaRPr lang="en-US"/>
           </a:p>
@@ -861,7 +861,7 @@
           <a:p>
             <a:fld id="{82A2CD9B-2866-40B9-B522-5B6D6B340C34}" type="datetimeFigureOut">
               <a:rPr lang="en-US" smtClean="0"/>
-              <a:t>2/2/2020</a:t>
+              <a:t>2/1/2021</a:t>
             </a:fld>
             <a:endParaRPr lang="en-US"/>
           </a:p>
@@ -1145,7 +1145,7 @@
           <a:p>
             <a:fld id="{82A2CD9B-2866-40B9-B522-5B6D6B340C34}" type="datetimeFigureOut">
               <a:rPr lang="en-US" smtClean="0"/>
-              <a:t>2/2/2020</a:t>
+              <a:t>2/1/2021</a:t>
             </a:fld>
             <a:endParaRPr lang="en-US"/>
           </a:p>
@@ -1415,7 +1415,7 @@
           <a:p>
             <a:fld id="{82A2CD9B-2866-40B9-B522-5B6D6B340C34}" type="datetimeFigureOut">
               <a:rPr lang="en-US" smtClean="0"/>
-              <a:t>2/2/2020</a:t>
+              <a:t>2/1/2021</a:t>
             </a:fld>
             <a:endParaRPr lang="en-US"/>
           </a:p>
@@ -1820,7 +1820,7 @@
           <a:p>
             <a:fld id="{82A2CD9B-2866-40B9-B522-5B6D6B340C34}" type="datetimeFigureOut">
               <a:rPr lang="en-US" smtClean="0"/>
-              <a:t>2/2/2020</a:t>
+              <a:t>2/1/2021</a:t>
             </a:fld>
             <a:endParaRPr lang="en-US"/>
           </a:p>
@@ -1976,7 +1976,7 @@
           <a:p>
             <a:fld id="{82A2CD9B-2866-40B9-B522-5B6D6B340C34}" type="datetimeFigureOut">
               <a:rPr lang="en-US" smtClean="0"/>
-              <a:t>2/2/2020</a:t>
+              <a:t>2/1/2021</a:t>
             </a:fld>
             <a:endParaRPr lang="en-US"/>
           </a:p>
@@ -2109,7 +2109,7 @@
           <a:p>
             <a:fld id="{82A2CD9B-2866-40B9-B522-5B6D6B340C34}" type="datetimeFigureOut">
               <a:rPr lang="en-US" smtClean="0"/>
-              <a:t>2/2/2020</a:t>
+              <a:t>2/1/2021</a:t>
             </a:fld>
             <a:endParaRPr lang="en-US"/>
           </a:p>
@@ -2424,7 +2424,7 @@
           <a:p>
             <a:fld id="{82A2CD9B-2866-40B9-B522-5B6D6B340C34}" type="datetimeFigureOut">
               <a:rPr lang="en-US" smtClean="0"/>
-              <a:t>2/2/2020</a:t>
+              <a:t>2/1/2021</a:t>
             </a:fld>
             <a:endParaRPr lang="en-US"/>
           </a:p>
@@ -2719,7 +2719,7 @@
           <a:p>
             <a:fld id="{82A2CD9B-2866-40B9-B522-5B6D6B340C34}" type="datetimeFigureOut">
               <a:rPr lang="en-US" smtClean="0"/>
-              <a:t>2/2/2020</a:t>
+              <a:t>2/1/2021</a:t>
             </a:fld>
             <a:endParaRPr lang="en-US"/>
           </a:p>
@@ -2981,7 +2981,7 @@
             <a:fld id="{82A2CD9B-2866-40B9-B522-5B6D6B340C34}" type="datetimeFigureOut">
               <a:rPr lang="en-US" smtClean="0"/>
               <a:pPr/>
-              <a:t>2/2/2020</a:t>
+              <a:t>2/1/2021</a:t>
             </a:fld>
             <a:endParaRPr lang="en-US" dirty="0"/>
           </a:p>
@@ -4093,11 +4093,19 @@
             </a:r>
             <a:r>
               <a:rPr lang="en-US" dirty="0"/>
-              <a:t>/brapi/v1/</a:t>
+              <a:t>/</a:t>
+            </a:r>
+            <a:r>
+              <a:rPr lang="en-US" dirty="0" smtClean="0"/>
+              <a:t>brapi/v2/</a:t>
+            </a:r>
+            <a:r>
+              <a:rPr lang="en-US" b="1" dirty="0" smtClean="0"/>
+              <a:t>&lt;</a:t>
             </a:r>
             <a:r>
               <a:rPr lang="en-US" b="1" dirty="0"/>
-              <a:t>&lt;call</a:t>
+              <a:t>call</a:t>
             </a:r>
             <a:r>
               <a:rPr lang="en-US" b="1" dirty="0" smtClean="0"/>
@@ -4139,7 +4147,7 @@
             </a:r>
             <a:r>
               <a:rPr lang="en-US" sz="2000" dirty="0" smtClean="0"/>
-              <a:t>test-server.brapi.org/brapi/v1/studies/2939</a:t>
+              <a:t>test-server.brapi.org/brapi/v2/studies/2939</a:t>
             </a:r>
           </a:p>
           <a:p>
@@ -4156,7 +4164,7 @@
             </a:r>
             <a:r>
               <a:rPr lang="en-US" sz="2000" dirty="0" smtClean="0"/>
-              <a:t>test-server.brapi.org/cornell/cals/wheatdb/brapi/v1/programs/65238894</a:t>
+              <a:t>test-server.brapi.org/cornell/cals/wheatdb/brapi/v2/programs/65238894</a:t>
             </a:r>
             <a:endParaRPr lang="en-US" sz="2000" dirty="0"/>
           </a:p>
@@ -4170,8 +4178,13 @@
             </a:r>
             <a:r>
               <a:rPr lang="en-US" sz="2000" dirty="0"/>
-              <a:t>://test-server.brapi.org/brapi/v1/germplasm/13ef2839-18ae-4231-a83a-20a2d6d2714c</a:t>
-            </a:r>
+              <a:t>://</a:t>
+            </a:r>
+            <a:r>
+              <a:rPr lang="en-US" sz="2000" dirty="0" smtClean="0"/>
+              <a:t>test-server.brapi.org/brapi/v2/germplasm/13ef2839-18ae-4231-a83a-20a2d6d2714c</a:t>
+            </a:r>
+            <a:endParaRPr lang="en-US" sz="2000" dirty="0"/>
           </a:p>
           <a:p>
             <a:pPr marL="0" indent="0">
@@ -4197,6 +4210,13 @@
   <p:clrMapOvr>
     <a:masterClrMapping/>
   </p:clrMapOvr>
+  <p:timing>
+    <p:tnLst>
+      <p:par>
+        <p:cTn id="1" dur="indefinite" restart="never" nodeType="tmRoot"/>
+      </p:par>
+    </p:tnLst>
+  </p:timing>
 </p:sld>
 </file>
 
@@ -4320,7 +4340,7 @@
             </a:r>
             <a:r>
               <a:rPr lang="en-US" sz="2000" dirty="0" smtClean="0"/>
-              <a:t>test-server.brapi.org/brapi/v1/studies/3d39af43</a:t>
+              <a:t>test-server.brapi.org/brapi/v2/studies/3d39af43</a:t>
             </a:r>
             <a:endParaRPr lang="en-US" sz="2000" dirty="0"/>
           </a:p>
@@ -4352,7 +4372,7 @@
             </a:r>
             <a:r>
               <a:rPr lang="en-US" sz="2000" dirty="0" smtClean="0"/>
-              <a:t>test-server.brapi.org/brapi/v1/studies?germplasmDbId=2d30af45&amp;active=true</a:t>
+              <a:t>test-server.brapi.org/brapi/v2/studies?germplasmDbId=2d30af45&amp;active=true</a:t>
             </a:r>
           </a:p>
           <a:p>
@@ -4411,7 +4431,7 @@
             </a:r>
             <a:r>
               <a:rPr lang="en-US" sz="2000" dirty="0" smtClean="0"/>
-              <a:t>test-server.brapi.org/brapi/v1/search/studies</a:t>
+              <a:t>test-server.brapi.org/brapi/v2/search/studies</a:t>
             </a:r>
             <a:endParaRPr lang="en-US" sz="2000" dirty="0"/>
           </a:p>
@@ -4439,7 +4459,7 @@
             </a:r>
             <a:r>
               <a:rPr lang="en-US" sz="2000" dirty="0" smtClean="0"/>
-              <a:t>test-server.brapi.org/brapi/v1/search/studies/5a00af65</a:t>
+              <a:t>test-server.brapi.org/brapi/v2/search/studies/5a00af65</a:t>
             </a:r>
           </a:p>
           <a:p>
@@ -4481,7 +4501,7 @@
             </a:r>
             <a:r>
               <a:rPr lang="en-US" sz="2000" dirty="0" smtClean="0"/>
-              <a:t>test-server.brapi.org/brapi/v1/studies</a:t>
+              <a:t>test-server.brapi.org/brapi/v2/studies</a:t>
             </a:r>
             <a:endParaRPr lang="en-US" sz="2000" dirty="0"/>
           </a:p>
@@ -4520,7 +4540,7 @@
             </a:r>
             <a:r>
               <a:rPr lang="en-US" sz="2000" dirty="0" smtClean="0"/>
-              <a:t>test-server.brapi.org/brapi/v1/studies/7b3a6f48</a:t>
+              <a:t>test-server.brapi.org/brapi/v2/studies/7b3a6f48</a:t>
             </a:r>
             <a:endParaRPr lang="en-US" sz="2000" dirty="0"/>
           </a:p>
@@ -5904,10 +5924,6 @@
               <a:rPr lang="en-US" sz="1600" b="1" dirty="0" smtClean="0"/>
               <a:t>List Response</a:t>
             </a:r>
-            <a:r>
-              <a:rPr lang="en-US" sz="1600" b="1" dirty="0" smtClean="0"/>
-              <a:t/>
-            </a:r>
             <a:br>
               <a:rPr lang="en-US" sz="1600" b="1" dirty="0" smtClean="0"/>
             </a:br>
@@ -5921,11 +5937,7 @@
             </a:r>
             <a:r>
               <a:rPr lang="en-US" sz="1600" dirty="0" smtClean="0"/>
-              <a:t>. (pagination applies</a:t>
-            </a:r>
-            <a:r>
-              <a:rPr lang="en-US" sz="1600" dirty="0" smtClean="0"/>
-              <a:t>)</a:t>
+              <a:t>. (pagination applies)</a:t>
             </a:r>
             <a:endParaRPr lang="en-US" sz="1600" dirty="0"/>
           </a:p>
@@ -6298,12 +6310,6 @@
               </a:rPr>
               <a:t> ...</a:t>
             </a:r>
-            <a:endParaRPr lang="en-US" sz="1000" dirty="0" smtClean="0">
-              <a:solidFill>
-                <a:schemeClr val="tx1"/>
-              </a:solidFill>
-              <a:latin typeface="Consolas" panose="020B0609020204030204" pitchFamily="49" charset="0"/>
-            </a:endParaRPr>
           </a:p>
           <a:p>
             <a:pPr marL="0" indent="0">
@@ -6324,12 +6330,6 @@
               </a:rPr>
               <a:t>}</a:t>
             </a:r>
-            <a:endParaRPr lang="en-US" sz="1000" dirty="0" smtClean="0">
-              <a:solidFill>
-                <a:schemeClr val="tx1"/>
-              </a:solidFill>
-              <a:latin typeface="Consolas" panose="020B0609020204030204" pitchFamily="49" charset="0"/>
-            </a:endParaRPr>
           </a:p>
         </p:txBody>
       </p:sp>
@@ -6981,12 +6981,6 @@
               </a:rPr>
               <a:t>},</a:t>
             </a:r>
-            <a:endParaRPr lang="en-US" sz="1000" dirty="0" smtClean="0">
-              <a:solidFill>
-                <a:schemeClr val="tx1"/>
-              </a:solidFill>
-              <a:latin typeface="Consolas" panose="020B0609020204030204" pitchFamily="49" charset="0"/>
-            </a:endParaRPr>
           </a:p>
           <a:p>
             <a:pPr marL="0" indent="0">
@@ -7257,12 +7251,6 @@
               </a:rPr>
               <a:t>}</a:t>
             </a:r>
-            <a:endParaRPr lang="en-US" sz="1000" dirty="0" smtClean="0">
-              <a:solidFill>
-                <a:schemeClr val="tx1"/>
-              </a:solidFill>
-              <a:latin typeface="Consolas" panose="020B0609020204030204" pitchFamily="49" charset="0"/>
-            </a:endParaRPr>
           </a:p>
         </p:txBody>
       </p:sp>
@@ -7320,118 +7308,6 @@
           <a:p>
             <a:r>
               <a:rPr lang="en-US" dirty="0" smtClean="0"/>
-              <a:t>Agenda</a:t>
-            </a:r>
-            <a:endParaRPr lang="en-US" dirty="0"/>
-          </a:p>
-        </p:txBody>
-      </p:sp>
-      <p:sp>
-        <p:nvSpPr>
-          <p:cNvPr id="3" name="Content Placeholder 2"/>
-          <p:cNvSpPr>
-            <a:spLocks noGrp="1"/>
-          </p:cNvSpPr>
-          <p:nvPr>
-            <p:ph idx="1"/>
-          </p:nvPr>
-        </p:nvSpPr>
-        <p:spPr/>
-        <p:txBody>
-          <a:bodyPr/>
-          <a:lstStyle/>
-          <a:p>
-            <a:r>
-              <a:rPr lang="en-US" dirty="0" smtClean="0"/>
-              <a:t>What Is </a:t>
-            </a:r>
-            <a:r>
-              <a:rPr lang="en-US" dirty="0" smtClean="0"/>
-              <a:t>BrAPI?</a:t>
-            </a:r>
-          </a:p>
-          <a:p>
-            <a:r>
-              <a:rPr lang="en-US" dirty="0" smtClean="0"/>
-              <a:t>Developer Resources</a:t>
-            </a:r>
-          </a:p>
-          <a:p>
-            <a:r>
-              <a:rPr lang="en-US" dirty="0" smtClean="0"/>
-              <a:t>Tour </a:t>
-            </a:r>
-            <a:r>
-              <a:rPr lang="en-US" dirty="0"/>
-              <a:t>of BrAPI </a:t>
-            </a:r>
-            <a:r>
-              <a:rPr lang="en-US" dirty="0" smtClean="0"/>
-              <a:t>Spec</a:t>
-            </a:r>
-          </a:p>
-          <a:p>
-            <a:r>
-              <a:rPr lang="en-US" dirty="0" smtClean="0"/>
-              <a:t>Example Client / Server Implementations </a:t>
-            </a:r>
-          </a:p>
-        </p:txBody>
-      </p:sp>
-    </p:spTree>
-    <p:extLst>
-      <p:ext uri="{BB962C8B-B14F-4D97-AF65-F5344CB8AC3E}">
-        <p14:creationId xmlns:p14="http://schemas.microsoft.com/office/powerpoint/2010/main" val="1001804883"/>
-      </p:ext>
-    </p:extLst>
-  </p:cSld>
-  <p:clrMapOvr>
-    <a:masterClrMapping/>
-  </p:clrMapOvr>
-  <p:timing>
-    <p:tnLst>
-      <p:par>
-        <p:cTn id="1" dur="indefinite" restart="never" nodeType="tmRoot"/>
-      </p:par>
-    </p:tnLst>
-  </p:timing>
-</p:sld>
-</file>
-
-<file path=ppt/slides/slide3.xml><?xml version="1.0" encoding="utf-8"?>
-<p:sld xmlns:a="http://schemas.openxmlformats.org/drawingml/2006/main" xmlns:r="http://schemas.openxmlformats.org/officeDocument/2006/relationships" xmlns:p="http://schemas.openxmlformats.org/presentationml/2006/main">
-  <p:cSld>
-    <p:spTree>
-      <p:nvGrpSpPr>
-        <p:cNvPr id="1" name=""/>
-        <p:cNvGrpSpPr/>
-        <p:nvPr/>
-      </p:nvGrpSpPr>
-      <p:grpSpPr>
-        <a:xfrm>
-          <a:off x="0" y="0"/>
-          <a:ext cx="0" cy="0"/>
-          <a:chOff x="0" y="0"/>
-          <a:chExt cx="0" cy="0"/>
-        </a:xfrm>
-      </p:grpSpPr>
-      <p:sp>
-        <p:nvSpPr>
-          <p:cNvPr id="2" name="Title 1"/>
-          <p:cNvSpPr>
-            <a:spLocks noGrp="1"/>
-          </p:cNvSpPr>
-          <p:nvPr>
-            <p:ph type="title"/>
-          </p:nvPr>
-        </p:nvSpPr>
-        <p:spPr/>
-        <p:txBody>
-          <a:bodyPr/>
-          <a:lstStyle/>
-          <a:p>
-            <a:r>
-              <a:rPr lang="en-US" dirty="0" smtClean="0"/>
               <a:t>What is BrAPI?</a:t>
             </a:r>
             <a:endParaRPr lang="en-US" dirty="0"/>
@@ -7610,7 +7486,7 @@
 </p:sld>
 </file>
 
-<file path=ppt/slides/slide4.xml><?xml version="1.0" encoding="utf-8"?>
+<file path=ppt/slides/slide3.xml><?xml version="1.0" encoding="utf-8"?>
 <p:sld xmlns:a="http://schemas.openxmlformats.org/drawingml/2006/main" xmlns:r="http://schemas.openxmlformats.org/officeDocument/2006/relationships" xmlns:p="http://schemas.openxmlformats.org/presentationml/2006/main">
   <p:cSld>
     <p:spTree>
@@ -8002,7 +7878,7 @@
 </p:sld>
 </file>
 
-<file path=ppt/slides/slide5.xml><?xml version="1.0" encoding="utf-8"?>
+<file path=ppt/slides/slide4.xml><?xml version="1.0" encoding="utf-8"?>
 <p:sld xmlns:a="http://schemas.openxmlformats.org/drawingml/2006/main" xmlns:r="http://schemas.openxmlformats.org/officeDocument/2006/relationships" xmlns:p="http://schemas.openxmlformats.org/presentationml/2006/main">
   <p:cSld>
     <p:spTree>
@@ -9012,7 +8888,7 @@
 </p:sld>
 </file>
 
-<file path=ppt/slides/slide6.xml><?xml version="1.0" encoding="utf-8"?>
+<file path=ppt/slides/slide5.xml><?xml version="1.0" encoding="utf-8"?>
 <p:sld xmlns:a="http://schemas.openxmlformats.org/drawingml/2006/main" xmlns:r="http://schemas.openxmlformats.org/officeDocument/2006/relationships" xmlns:p="http://schemas.openxmlformats.org/presentationml/2006/main">
   <p:cSld>
     <p:spTree>
@@ -9147,7 +9023,7 @@
 </p:sld>
 </file>
 
-<file path=ppt/slides/slide7.xml><?xml version="1.0" encoding="utf-8"?>
+<file path=ppt/slides/slide6.xml><?xml version="1.0" encoding="utf-8"?>
 <p:sld xmlns:a="http://schemas.openxmlformats.org/drawingml/2006/main" xmlns:r="http://schemas.openxmlformats.org/officeDocument/2006/relationships" xmlns:p="http://schemas.openxmlformats.org/presentationml/2006/main">
   <p:cSld>
     <p:spTree>
@@ -9300,7 +9176,7 @@
 </p:sld>
 </file>
 
-<file path=ppt/slides/slide8.xml><?xml version="1.0" encoding="utf-8"?>
+<file path=ppt/slides/slide7.xml><?xml version="1.0" encoding="utf-8"?>
 <p:sld xmlns:a="http://schemas.openxmlformats.org/drawingml/2006/main" xmlns:r="http://schemas.openxmlformats.org/officeDocument/2006/relationships" xmlns:p="http://schemas.openxmlformats.org/presentationml/2006/main">
   <p:cSld>
     <p:spTree>
@@ -9903,6 +9779,72 @@
     <p:extLst>
       <p:ext uri="{BB962C8B-B14F-4D97-AF65-F5344CB8AC3E}">
         <p14:creationId xmlns:p14="http://schemas.microsoft.com/office/powerpoint/2010/main" val="3161672381"/>
+      </p:ext>
+    </p:extLst>
+  </p:cSld>
+  <p:clrMapOvr>
+    <a:masterClrMapping/>
+  </p:clrMapOvr>
+  <p:timing>
+    <p:tnLst>
+      <p:par>
+        <p:cTn id="1" dur="indefinite" restart="never" nodeType="tmRoot"/>
+      </p:par>
+    </p:tnLst>
+  </p:timing>
+</p:sld>
+</file>
+
+<file path=ppt/slides/slide8.xml><?xml version="1.0" encoding="utf-8"?>
+<p:sld xmlns:a="http://schemas.openxmlformats.org/drawingml/2006/main" xmlns:r="http://schemas.openxmlformats.org/officeDocument/2006/relationships" xmlns:p="http://schemas.openxmlformats.org/presentationml/2006/main">
+  <p:cSld>
+    <p:spTree>
+      <p:nvGrpSpPr>
+        <p:cNvPr id="1" name=""/>
+        <p:cNvGrpSpPr/>
+        <p:nvPr/>
+      </p:nvGrpSpPr>
+      <p:grpSpPr>
+        <a:xfrm>
+          <a:off x="0" y="0"/>
+          <a:ext cx="0" cy="0"/>
+          <a:chOff x="0" y="0"/>
+          <a:chExt cx="0" cy="0"/>
+        </a:xfrm>
+      </p:grpSpPr>
+      <p:pic>
+        <p:nvPicPr>
+          <p:cNvPr id="5" name="Content Placeholder 4"/>
+          <p:cNvPicPr>
+            <a:picLocks noGrp="1" noChangeAspect="1"/>
+          </p:cNvPicPr>
+          <p:nvPr>
+            <p:ph sz="half" idx="1"/>
+          </p:nvPr>
+        </p:nvPicPr>
+        <p:blipFill>
+          <a:blip r:embed="rId2" cstate="print">
+            <a:extLst>
+              <a:ext uri="{28A0092B-C50C-407E-A947-70E740481C1C}">
+                <a14:useLocalDpi xmlns:a14="http://schemas.microsoft.com/office/drawing/2010/main" val="0"/>
+              </a:ext>
+            </a:extLst>
+          </a:blip>
+          <a:stretch>
+            <a:fillRect/>
+          </a:stretch>
+        </p:blipFill>
+        <p:spPr>
+          <a:xfrm>
+            <a:off x="931178" y="269552"/>
+            <a:ext cx="10366345" cy="6082387"/>
+          </a:xfrm>
+        </p:spPr>
+      </p:pic>
+    </p:spTree>
+    <p:extLst>
+      <p:ext uri="{BB962C8B-B14F-4D97-AF65-F5344CB8AC3E}">
+        <p14:creationId xmlns:p14="http://schemas.microsoft.com/office/powerpoint/2010/main" val="2375537301"/>
       </p:ext>
     </p:extLst>
   </p:cSld>

--- a/brapi-website-node/public/docs/BrAPI_101.pptx
+++ b/brapi-website-node/public/docs/BrAPI_101.pptx
@@ -13,13 +13,14 @@
     <p:sldId id="266" r:id="rId7"/>
     <p:sldId id="273" r:id="rId8"/>
     <p:sldId id="276" r:id="rId9"/>
-    <p:sldId id="274" r:id="rId10"/>
-    <p:sldId id="275" r:id="rId11"/>
-    <p:sldId id="267" r:id="rId12"/>
-    <p:sldId id="268" r:id="rId13"/>
-    <p:sldId id="269" r:id="rId14"/>
-    <p:sldId id="270" r:id="rId15"/>
-    <p:sldId id="271" r:id="rId16"/>
+    <p:sldId id="277" r:id="rId10"/>
+    <p:sldId id="274" r:id="rId11"/>
+    <p:sldId id="275" r:id="rId12"/>
+    <p:sldId id="267" r:id="rId13"/>
+    <p:sldId id="268" r:id="rId14"/>
+    <p:sldId id="269" r:id="rId15"/>
+    <p:sldId id="270" r:id="rId16"/>
+    <p:sldId id="271" r:id="rId17"/>
   </p:sldIdLst>
   <p:sldSz cx="12192000" cy="6858000"/>
   <p:notesSz cx="6858000" cy="9144000"/>
@@ -257,7 +258,7 @@
           <a:p>
             <a:fld id="{82A2CD9B-2866-40B9-B522-5B6D6B340C34}" type="datetimeFigureOut">
               <a:rPr lang="en-US" smtClean="0"/>
-              <a:t>2/1/2021</a:t>
+              <a:t>9/28/2021</a:t>
             </a:fld>
             <a:endParaRPr lang="en-US"/>
           </a:p>
@@ -435,7 +436,7 @@
           <a:p>
             <a:fld id="{82A2CD9B-2866-40B9-B522-5B6D6B340C34}" type="datetimeFigureOut">
               <a:rPr lang="en-US" smtClean="0"/>
-              <a:t>2/1/2021</a:t>
+              <a:t>9/28/2021</a:t>
             </a:fld>
             <a:endParaRPr lang="en-US"/>
           </a:p>
@@ -653,7 +654,7 @@
           <a:p>
             <a:fld id="{82A2CD9B-2866-40B9-B522-5B6D6B340C34}" type="datetimeFigureOut">
               <a:rPr lang="en-US" smtClean="0"/>
-              <a:t>2/1/2021</a:t>
+              <a:t>9/28/2021</a:t>
             </a:fld>
             <a:endParaRPr lang="en-US"/>
           </a:p>
@@ -861,7 +862,7 @@
           <a:p>
             <a:fld id="{82A2CD9B-2866-40B9-B522-5B6D6B340C34}" type="datetimeFigureOut">
               <a:rPr lang="en-US" smtClean="0"/>
-              <a:t>2/1/2021</a:t>
+              <a:t>9/28/2021</a:t>
             </a:fld>
             <a:endParaRPr lang="en-US"/>
           </a:p>
@@ -1145,7 +1146,7 @@
           <a:p>
             <a:fld id="{82A2CD9B-2866-40B9-B522-5B6D6B340C34}" type="datetimeFigureOut">
               <a:rPr lang="en-US" smtClean="0"/>
-              <a:t>2/1/2021</a:t>
+              <a:t>9/28/2021</a:t>
             </a:fld>
             <a:endParaRPr lang="en-US"/>
           </a:p>
@@ -1415,7 +1416,7 @@
           <a:p>
             <a:fld id="{82A2CD9B-2866-40B9-B522-5B6D6B340C34}" type="datetimeFigureOut">
               <a:rPr lang="en-US" smtClean="0"/>
-              <a:t>2/1/2021</a:t>
+              <a:t>9/28/2021</a:t>
             </a:fld>
             <a:endParaRPr lang="en-US"/>
           </a:p>
@@ -1820,7 +1821,7 @@
           <a:p>
             <a:fld id="{82A2CD9B-2866-40B9-B522-5B6D6B340C34}" type="datetimeFigureOut">
               <a:rPr lang="en-US" smtClean="0"/>
-              <a:t>2/1/2021</a:t>
+              <a:t>9/28/2021</a:t>
             </a:fld>
             <a:endParaRPr lang="en-US"/>
           </a:p>
@@ -1976,7 +1977,7 @@
           <a:p>
             <a:fld id="{82A2CD9B-2866-40B9-B522-5B6D6B340C34}" type="datetimeFigureOut">
               <a:rPr lang="en-US" smtClean="0"/>
-              <a:t>2/1/2021</a:t>
+              <a:t>9/28/2021</a:t>
             </a:fld>
             <a:endParaRPr lang="en-US"/>
           </a:p>
@@ -2109,7 +2110,7 @@
           <a:p>
             <a:fld id="{82A2CD9B-2866-40B9-B522-5B6D6B340C34}" type="datetimeFigureOut">
               <a:rPr lang="en-US" smtClean="0"/>
-              <a:t>2/1/2021</a:t>
+              <a:t>9/28/2021</a:t>
             </a:fld>
             <a:endParaRPr lang="en-US"/>
           </a:p>
@@ -2424,7 +2425,7 @@
           <a:p>
             <a:fld id="{82A2CD9B-2866-40B9-B522-5B6D6B340C34}" type="datetimeFigureOut">
               <a:rPr lang="en-US" smtClean="0"/>
-              <a:t>2/1/2021</a:t>
+              <a:t>9/28/2021</a:t>
             </a:fld>
             <a:endParaRPr lang="en-US"/>
           </a:p>
@@ -2719,7 +2720,7 @@
           <a:p>
             <a:fld id="{82A2CD9B-2866-40B9-B522-5B6D6B340C34}" type="datetimeFigureOut">
               <a:rPr lang="en-US" smtClean="0"/>
-              <a:t>2/1/2021</a:t>
+              <a:t>9/28/2021</a:t>
             </a:fld>
             <a:endParaRPr lang="en-US"/>
           </a:p>
@@ -2981,7 +2982,7 @@
             <a:fld id="{82A2CD9B-2866-40B9-B522-5B6D6B340C34}" type="datetimeFigureOut">
               <a:rPr lang="en-US" smtClean="0"/>
               <a:pPr/>
-              <a:t>2/1/2021</a:t>
+              <a:t>9/28/2021</a:t>
             </a:fld>
             <a:endParaRPr lang="en-US" dirty="0"/>
           </a:p>
@@ -3459,6 +3460,100 @@
 </file>
 
 <file path=ppt/slides/slide10.xml><?xml version="1.0" encoding="utf-8"?>
+<p:sld xmlns:a="http://schemas.openxmlformats.org/drawingml/2006/main" xmlns:r="http://schemas.openxmlformats.org/officeDocument/2006/relationships" xmlns:p="http://schemas.openxmlformats.org/presentationml/2006/main">
+  <p:cSld>
+    <p:spTree>
+      <p:nvGrpSpPr>
+        <p:cNvPr id="1" name=""/>
+        <p:cNvGrpSpPr/>
+        <p:nvPr/>
+      </p:nvGrpSpPr>
+      <p:grpSpPr>
+        <a:xfrm>
+          <a:off x="0" y="0"/>
+          <a:ext cx="0" cy="0"/>
+          <a:chOff x="0" y="0"/>
+          <a:chExt cx="0" cy="0"/>
+        </a:xfrm>
+      </p:grpSpPr>
+      <p:sp>
+        <p:nvSpPr>
+          <p:cNvPr id="2" name="Title 1"/>
+          <p:cNvSpPr>
+            <a:spLocks noGrp="1"/>
+          </p:cNvSpPr>
+          <p:nvPr>
+            <p:ph type="title"/>
+          </p:nvPr>
+        </p:nvSpPr>
+        <p:spPr>
+          <a:xfrm>
+            <a:off x="838200" y="365129"/>
+            <a:ext cx="10515600" cy="819237"/>
+          </a:xfrm>
+        </p:spPr>
+        <p:txBody>
+          <a:bodyPr/>
+          <a:lstStyle/>
+          <a:p>
+            <a:r>
+              <a:rPr lang="en-US" dirty="0" smtClean="0"/>
+              <a:t>Manual Data Transfer</a:t>
+            </a:r>
+            <a:endParaRPr lang="en-US" dirty="0"/>
+          </a:p>
+        </p:txBody>
+      </p:sp>
+      <p:pic>
+        <p:nvPicPr>
+          <p:cNvPr id="4" name="Content Placeholder 3"/>
+          <p:cNvPicPr>
+            <a:picLocks noGrp="1" noChangeAspect="1"/>
+          </p:cNvPicPr>
+          <p:nvPr>
+            <p:ph idx="1"/>
+          </p:nvPr>
+        </p:nvPicPr>
+        <p:blipFill>
+          <a:blip r:embed="rId2">
+            <a:extLst>
+              <a:ext uri="{28A0092B-C50C-407E-A947-70E740481C1C}">
+                <a14:useLocalDpi xmlns:a14="http://schemas.microsoft.com/office/drawing/2010/main" val="0"/>
+              </a:ext>
+            </a:extLst>
+          </a:blip>
+          <a:stretch>
+            <a:fillRect/>
+          </a:stretch>
+        </p:blipFill>
+        <p:spPr>
+          <a:xfrm>
+            <a:off x="838200" y="1489484"/>
+            <a:ext cx="10515600" cy="4710112"/>
+          </a:xfrm>
+        </p:spPr>
+      </p:pic>
+    </p:spTree>
+    <p:extLst>
+      <p:ext uri="{BB962C8B-B14F-4D97-AF65-F5344CB8AC3E}">
+        <p14:creationId xmlns:p14="http://schemas.microsoft.com/office/powerpoint/2010/main" val="3601640230"/>
+      </p:ext>
+    </p:extLst>
+  </p:cSld>
+  <p:clrMapOvr>
+    <a:masterClrMapping/>
+  </p:clrMapOvr>
+  <p:timing>
+    <p:tnLst>
+      <p:par>
+        <p:cTn id="1" dur="indefinite" restart="never" nodeType="tmRoot"/>
+      </p:par>
+    </p:tnLst>
+  </p:timing>
+</p:sld>
+</file>
+
+<file path=ppt/slides/slide11.xml><?xml version="1.0" encoding="utf-8"?>
 <p:sld xmlns:a="http://schemas.openxmlformats.org/drawingml/2006/main" xmlns:r="http://schemas.openxmlformats.org/officeDocument/2006/relationships" xmlns:p="http://schemas.openxmlformats.org/presentationml/2006/main">
   <p:cSld>
     <p:spTree>
@@ -4025,201 +4120,6 @@
 </p:sld>
 </file>
 
-<file path=ppt/slides/slide11.xml><?xml version="1.0" encoding="utf-8"?>
-<p:sld xmlns:a="http://schemas.openxmlformats.org/drawingml/2006/main" xmlns:r="http://schemas.openxmlformats.org/officeDocument/2006/relationships" xmlns:p="http://schemas.openxmlformats.org/presentationml/2006/main">
-  <p:cSld>
-    <p:spTree>
-      <p:nvGrpSpPr>
-        <p:cNvPr id="1" name=""/>
-        <p:cNvGrpSpPr/>
-        <p:nvPr/>
-      </p:nvGrpSpPr>
-      <p:grpSpPr>
-        <a:xfrm>
-          <a:off x="0" y="0"/>
-          <a:ext cx="0" cy="0"/>
-          <a:chOff x="0" y="0"/>
-          <a:chExt cx="0" cy="0"/>
-        </a:xfrm>
-      </p:grpSpPr>
-      <p:sp>
-        <p:nvSpPr>
-          <p:cNvPr id="2" name="Title 1"/>
-          <p:cNvSpPr>
-            <a:spLocks noGrp="1"/>
-          </p:cNvSpPr>
-          <p:nvPr>
-            <p:ph type="title"/>
-          </p:nvPr>
-        </p:nvSpPr>
-        <p:spPr/>
-        <p:txBody>
-          <a:bodyPr/>
-          <a:lstStyle/>
-          <a:p>
-            <a:r>
-              <a:rPr lang="en-US" dirty="0" smtClean="0"/>
-              <a:t>URLs</a:t>
-            </a:r>
-            <a:endParaRPr lang="en-US" dirty="0"/>
-          </a:p>
-        </p:txBody>
-      </p:sp>
-      <p:sp>
-        <p:nvSpPr>
-          <p:cNvPr id="3" name="Content Placeholder 2"/>
-          <p:cNvSpPr>
-            <a:spLocks noGrp="1"/>
-          </p:cNvSpPr>
-          <p:nvPr>
-            <p:ph idx="1"/>
-          </p:nvPr>
-        </p:nvSpPr>
-        <p:spPr/>
-        <p:txBody>
-          <a:bodyPr/>
-          <a:lstStyle/>
-          <a:p>
-            <a:pPr marL="0" indent="0">
-              <a:buNone/>
-            </a:pPr>
-            <a:r>
-              <a:rPr lang="en-US" dirty="0"/>
-              <a:t>https://</a:t>
-            </a:r>
-            <a:r>
-              <a:rPr lang="en-US" b="1" dirty="0"/>
-              <a:t>&lt;server&gt;</a:t>
-            </a:r>
-            <a:r>
-              <a:rPr lang="en-US" dirty="0"/>
-              <a:t>/</a:t>
-            </a:r>
-            <a:r>
-              <a:rPr lang="en-US" dirty="0" smtClean="0"/>
-              <a:t>brapi/v2/</a:t>
-            </a:r>
-            <a:r>
-              <a:rPr lang="en-US" b="1" dirty="0" smtClean="0"/>
-              <a:t>&lt;</a:t>
-            </a:r>
-            <a:r>
-              <a:rPr lang="en-US" b="1" dirty="0"/>
-              <a:t>call</a:t>
-            </a:r>
-            <a:r>
-              <a:rPr lang="en-US" b="1" dirty="0" smtClean="0"/>
-              <a:t>&gt;</a:t>
-            </a:r>
-          </a:p>
-          <a:p>
-            <a:pPr marL="0" indent="0">
-              <a:buNone/>
-            </a:pPr>
-            <a:endParaRPr lang="en-US" b="1" dirty="0"/>
-          </a:p>
-          <a:p>
-            <a:pPr marL="0" indent="0">
-              <a:buNone/>
-            </a:pPr>
-            <a:endParaRPr lang="en-US" b="1" dirty="0" smtClean="0"/>
-          </a:p>
-          <a:p>
-            <a:pPr marL="0" indent="0">
-              <a:buNone/>
-            </a:pPr>
-            <a:r>
-              <a:rPr lang="en-US" dirty="0" smtClean="0"/>
-              <a:t>Examples:</a:t>
-            </a:r>
-          </a:p>
-          <a:p>
-            <a:pPr marL="0" indent="0">
-              <a:buNone/>
-            </a:pPr>
-            <a:r>
-              <a:rPr lang="en-US" sz="2000" dirty="0" smtClean="0"/>
-              <a:t>GET https</a:t>
-            </a:r>
-            <a:r>
-              <a:rPr lang="en-US" sz="2000" dirty="0"/>
-              <a:t>://</a:t>
-            </a:r>
-            <a:r>
-              <a:rPr lang="en-US" sz="2000" dirty="0" smtClean="0"/>
-              <a:t>test-server.brapi.org/brapi/v2/studies/2939</a:t>
-            </a:r>
-          </a:p>
-          <a:p>
-            <a:pPr marL="0" indent="0">
-              <a:buNone/>
-            </a:pPr>
-            <a:r>
-              <a:rPr lang="en-US" sz="2000" dirty="0" smtClean="0"/>
-              <a:t>GET https</a:t>
-            </a:r>
-            <a:r>
-              <a:rPr lang="en-US" sz="2000" dirty="0"/>
-              <a:t>://</a:t>
-            </a:r>
-            <a:r>
-              <a:rPr lang="en-US" sz="2000" dirty="0" smtClean="0"/>
-              <a:t>test-server.brapi.org/cornell/cals/wheatdb/brapi/v2/programs/65238894</a:t>
-            </a:r>
-            <a:endParaRPr lang="en-US" sz="2000" dirty="0"/>
-          </a:p>
-          <a:p>
-            <a:pPr marL="0" indent="0">
-              <a:buNone/>
-            </a:pPr>
-            <a:r>
-              <a:rPr lang="en-US" sz="2000" dirty="0" smtClean="0"/>
-              <a:t>GET https</a:t>
-            </a:r>
-            <a:r>
-              <a:rPr lang="en-US" sz="2000" dirty="0"/>
-              <a:t>://</a:t>
-            </a:r>
-            <a:r>
-              <a:rPr lang="en-US" sz="2000" dirty="0" smtClean="0"/>
-              <a:t>test-server.brapi.org/brapi/v2/germplasm/13ef2839-18ae-4231-a83a-20a2d6d2714c</a:t>
-            </a:r>
-            <a:endParaRPr lang="en-US" sz="2000" dirty="0"/>
-          </a:p>
-          <a:p>
-            <a:pPr marL="0" indent="0">
-              <a:buNone/>
-            </a:pPr>
-            <a:endParaRPr lang="en-US" sz="2000" dirty="0" smtClean="0"/>
-          </a:p>
-          <a:p>
-            <a:pPr marL="0" indent="0">
-              <a:buNone/>
-            </a:pPr>
-            <a:endParaRPr lang="en-US" sz="2000" dirty="0"/>
-          </a:p>
-        </p:txBody>
-      </p:sp>
-    </p:spTree>
-    <p:extLst>
-      <p:ext uri="{BB962C8B-B14F-4D97-AF65-F5344CB8AC3E}">
-        <p14:creationId xmlns:p14="http://schemas.microsoft.com/office/powerpoint/2010/main" val="3381062301"/>
-      </p:ext>
-    </p:extLst>
-  </p:cSld>
-  <p:clrMapOvr>
-    <a:masterClrMapping/>
-  </p:clrMapOvr>
-  <p:timing>
-    <p:tnLst>
-      <p:par>
-        <p:cTn id="1" dur="indefinite" restart="never" nodeType="tmRoot"/>
-      </p:par>
-    </p:tnLst>
-  </p:timing>
-</p:sld>
-</file>
-
 <file path=ppt/slides/slide12.xml><?xml version="1.0" encoding="utf-8"?>
 <p:sld xmlns:a="http://schemas.openxmlformats.org/drawingml/2006/main" xmlns:r="http://schemas.openxmlformats.org/officeDocument/2006/relationships" xmlns:p="http://schemas.openxmlformats.org/presentationml/2006/main">
   <p:cSld>
@@ -4254,7 +4154,7 @@
           <a:p>
             <a:r>
               <a:rPr lang="en-US" dirty="0" smtClean="0"/>
-              <a:t>Types of BrAPI Calls</a:t>
+              <a:t>URLs</a:t>
             </a:r>
             <a:endParaRPr lang="en-US" dirty="0"/>
           </a:p>
@@ -4270,69 +4170,71 @@
             <p:ph idx="1"/>
           </p:nvPr>
         </p:nvSpPr>
-        <p:spPr>
-          <a:xfrm>
-            <a:off x="838200" y="1825625"/>
-            <a:ext cx="10744200" cy="4351338"/>
-          </a:xfrm>
-        </p:spPr>
+        <p:spPr/>
         <p:txBody>
-          <a:bodyPr>
-            <a:normAutofit/>
-          </a:bodyPr>
+          <a:bodyPr/>
           <a:lstStyle/>
           <a:p>
             <a:pPr marL="0" indent="0">
-              <a:lnSpc>
-                <a:spcPct val="100000"/>
-              </a:lnSpc>
-              <a:spcBef>
-                <a:spcPts val="0"/>
-              </a:spcBef>
-              <a:buNone/>
-            </a:pPr>
+              <a:buNone/>
+            </a:pPr>
+            <a:r>
+              <a:rPr lang="en-US" dirty="0"/>
+              <a:t>https://</a:t>
+            </a:r>
+            <a:r>
+              <a:rPr lang="en-US" b="1" dirty="0"/>
+              <a:t>&lt;server&gt;</a:t>
+            </a:r>
+            <a:r>
+              <a:rPr lang="en-US" dirty="0"/>
+              <a:t>/</a:t>
+            </a:r>
             <a:r>
               <a:rPr lang="en-US" dirty="0" smtClean="0"/>
-              <a:t>Retrieve a Single Object by </a:t>
-            </a:r>
-            <a:r>
-              <a:rPr lang="en-US" dirty="0" err="1" smtClean="0"/>
-              <a:t>DbId</a:t>
-            </a:r>
+              <a:t>brapi/v2/</a:t>
+            </a:r>
+            <a:r>
+              <a:rPr lang="en-US" b="1" dirty="0" smtClean="0"/>
+              <a:t>&lt;</a:t>
+            </a:r>
+            <a:r>
+              <a:rPr lang="en-US" b="1" dirty="0"/>
+              <a:t>call</a:t>
+            </a:r>
+            <a:r>
+              <a:rPr lang="en-US" b="1" dirty="0" smtClean="0"/>
+              <a:t>&gt;</a:t>
+            </a:r>
+          </a:p>
+          <a:p>
+            <a:pPr marL="0" indent="0">
+              <a:buNone/>
+            </a:pPr>
+            <a:endParaRPr lang="en-US" b="1" dirty="0"/>
+          </a:p>
+          <a:p>
+            <a:pPr marL="0" indent="0">
+              <a:buNone/>
+            </a:pPr>
+            <a:endParaRPr lang="en-US" b="1" dirty="0" smtClean="0"/>
+          </a:p>
+          <a:p>
+            <a:pPr marL="0" indent="0">
+              <a:buNone/>
+            </a:pPr>
             <a:r>
               <a:rPr lang="en-US" dirty="0" smtClean="0"/>
-              <a:t> or a Filtered </a:t>
-            </a:r>
-            <a:r>
-              <a:rPr lang="en-US" dirty="0"/>
-              <a:t>L</a:t>
-            </a:r>
-            <a:r>
-              <a:rPr lang="en-US" dirty="0" smtClean="0"/>
-              <a:t>ist</a:t>
+              <a:t>Examples:</a:t>
             </a:r>
           </a:p>
           <a:p>
             <a:pPr marL="0" indent="0">
-              <a:lnSpc>
-                <a:spcPct val="100000"/>
-              </a:lnSpc>
-              <a:spcBef>
-                <a:spcPts val="0"/>
-              </a:spcBef>
-              <a:buNone/>
-            </a:pPr>
-            <a:r>
-              <a:rPr lang="en-US" dirty="0"/>
-              <a:t>	</a:t>
-            </a:r>
-            <a:r>
-              <a:rPr lang="en-US" sz="2000" dirty="0"/>
-              <a:t>GET </a:t>
-            </a:r>
+              <a:buNone/>
+            </a:pPr>
             <a:r>
               <a:rPr lang="en-US" sz="2000" dirty="0" smtClean="0"/>
-              <a:t> https</a:t>
+              <a:t>GET https</a:t>
             </a:r>
             <a:r>
               <a:rPr lang="en-US" sz="2000" dirty="0"/>
@@ -4340,31 +4242,16 @@
             </a:r>
             <a:r>
               <a:rPr lang="en-US" sz="2000" dirty="0" smtClean="0"/>
-              <a:t>test-server.brapi.org/brapi/v2/studies/3d39af43</a:t>
-            </a:r>
-            <a:endParaRPr lang="en-US" sz="2000" dirty="0"/>
+              <a:t>test-server.brapi.org/brapi/v2/studies/2939</a:t>
+            </a:r>
           </a:p>
           <a:p>
             <a:pPr marL="0" indent="0">
-              <a:lnSpc>
-                <a:spcPct val="100000"/>
-              </a:lnSpc>
-              <a:spcBef>
-                <a:spcPts val="0"/>
-              </a:spcBef>
               <a:buNone/>
             </a:pPr>
             <a:r>
               <a:rPr lang="en-US" sz="2000" dirty="0" smtClean="0"/>
-              <a:t>	</a:t>
-            </a:r>
-            <a:r>
-              <a:rPr lang="en-US" sz="2000" dirty="0"/>
-              <a:t>GET </a:t>
-            </a:r>
-            <a:r>
-              <a:rPr lang="en-US" sz="2000" dirty="0" smtClean="0"/>
-              <a:t> https</a:t>
+              <a:t>GET https</a:t>
             </a:r>
             <a:r>
               <a:rPr lang="en-US" sz="2000" dirty="0"/>
@@ -4372,58 +4259,17 @@
             </a:r>
             <a:r>
               <a:rPr lang="en-US" sz="2000" dirty="0" smtClean="0"/>
-              <a:t>test-server.brapi.org/brapi/v2/studies?germplasmDbId=2d30af45&amp;active=true</a:t>
-            </a:r>
+              <a:t>test-server.brapi.org/cornell/cals/wheatdb/brapi/v2/programs/65238894</a:t>
+            </a:r>
+            <a:endParaRPr lang="en-US" sz="2000" dirty="0"/>
           </a:p>
           <a:p>
             <a:pPr marL="0" indent="0">
-              <a:lnSpc>
-                <a:spcPct val="100000"/>
-              </a:lnSpc>
-              <a:spcBef>
-                <a:spcPts val="1200"/>
-              </a:spcBef>
-              <a:buNone/>
-            </a:pPr>
-            <a:r>
-              <a:rPr lang="en-US" dirty="0" smtClean="0"/>
-              <a:t>Search with </a:t>
-            </a:r>
-            <a:r>
-              <a:rPr lang="en-US" dirty="0"/>
-              <a:t>C</a:t>
-            </a:r>
-            <a:r>
-              <a:rPr lang="en-US" dirty="0" smtClean="0"/>
-              <a:t>omplex </a:t>
-            </a:r>
-            <a:r>
-              <a:rPr lang="en-US" dirty="0"/>
-              <a:t>P</a:t>
-            </a:r>
-            <a:r>
-              <a:rPr lang="en-US" dirty="0" smtClean="0"/>
-              <a:t>arameters</a:t>
-            </a:r>
-            <a:endParaRPr lang="en-US" dirty="0"/>
-          </a:p>
-          <a:p>
-            <a:pPr marL="0" indent="0">
-              <a:lnSpc>
-                <a:spcPct val="100000"/>
-              </a:lnSpc>
-              <a:spcBef>
-                <a:spcPts val="0"/>
-              </a:spcBef>
-              <a:buNone/>
-            </a:pPr>
-            <a:r>
-              <a:rPr lang="en-US" sz="2000" dirty="0"/>
-              <a:t>	POST </a:t>
-            </a:r>
+              <a:buNone/>
+            </a:pPr>
             <a:r>
               <a:rPr lang="en-US" sz="2000" dirty="0" smtClean="0"/>
-              <a:t> https</a:t>
+              <a:t>GET https</a:t>
             </a:r>
             <a:r>
               <a:rPr lang="en-US" sz="2000" dirty="0"/>
@@ -4431,117 +4277,20 @@
             </a:r>
             <a:r>
               <a:rPr lang="en-US" sz="2000" dirty="0" smtClean="0"/>
-              <a:t>test-server.brapi.org/brapi/v2/search/studies</a:t>
+              <a:t>test-server.brapi.org/brapi/v2/germplasm/13ef2839-18ae-4231-a83a-20a2d6d2714c</a:t>
             </a:r>
             <a:endParaRPr lang="en-US" sz="2000" dirty="0"/>
           </a:p>
           <a:p>
             <a:pPr marL="0" indent="0">
-              <a:lnSpc>
-                <a:spcPct val="100000"/>
-              </a:lnSpc>
-              <a:spcBef>
-                <a:spcPts val="0"/>
-              </a:spcBef>
-              <a:buNone/>
-            </a:pPr>
-            <a:r>
-              <a:rPr lang="en-US" sz="2000" dirty="0"/>
-              <a:t>	</a:t>
-            </a:r>
-            <a:r>
-              <a:rPr lang="en-US" sz="2000" dirty="0" smtClean="0"/>
-              <a:t>GET  https</a:t>
-            </a:r>
-            <a:r>
-              <a:rPr lang="en-US" sz="2000" dirty="0"/>
-              <a:t>://</a:t>
-            </a:r>
-            <a:r>
-              <a:rPr lang="en-US" sz="2000" dirty="0" smtClean="0"/>
-              <a:t>test-server.brapi.org/brapi/v2/search/studies/5a00af65</a:t>
-            </a:r>
+              <a:buNone/>
+            </a:pPr>
+            <a:endParaRPr lang="en-US" sz="2000" dirty="0" smtClean="0"/>
           </a:p>
           <a:p>
             <a:pPr marL="0" indent="0">
-              <a:lnSpc>
-                <a:spcPct val="100000"/>
-              </a:lnSpc>
-              <a:spcBef>
-                <a:spcPts val="1200"/>
-              </a:spcBef>
-              <a:buNone/>
-            </a:pPr>
-            <a:r>
-              <a:rPr lang="en-US" dirty="0" smtClean="0"/>
-              <a:t>Add New Objects</a:t>
-            </a:r>
-          </a:p>
-          <a:p>
-            <a:pPr marL="0" indent="0">
-              <a:lnSpc>
-                <a:spcPct val="100000"/>
-              </a:lnSpc>
-              <a:spcBef>
-                <a:spcPts val="0"/>
-              </a:spcBef>
-              <a:buNone/>
-            </a:pPr>
-            <a:r>
-              <a:rPr lang="en-US" sz="2000" dirty="0"/>
-              <a:t>	</a:t>
-            </a:r>
-            <a:r>
-              <a:rPr lang="en-US" sz="2000" dirty="0" smtClean="0"/>
-              <a:t>POST  https</a:t>
-            </a:r>
-            <a:r>
-              <a:rPr lang="en-US" sz="2000" dirty="0"/>
-              <a:t>://</a:t>
-            </a:r>
-            <a:r>
-              <a:rPr lang="en-US" sz="2000" dirty="0" smtClean="0"/>
-              <a:t>test-server.brapi.org/brapi/v2/studies</a:t>
-            </a:r>
-            <a:endParaRPr lang="en-US" sz="2000" dirty="0"/>
-          </a:p>
-          <a:p>
-            <a:pPr marL="0" indent="0">
-              <a:lnSpc>
-                <a:spcPct val="100000"/>
-              </a:lnSpc>
-              <a:spcBef>
-                <a:spcPts val="1200"/>
-              </a:spcBef>
-              <a:buNone/>
-            </a:pPr>
-            <a:r>
-              <a:rPr lang="en-US" dirty="0" smtClean="0"/>
-              <a:t>Update Existing Object</a:t>
-            </a:r>
-          </a:p>
-          <a:p>
-            <a:pPr marL="0" indent="0">
-              <a:lnSpc>
-                <a:spcPct val="100000"/>
-              </a:lnSpc>
-              <a:spcBef>
-                <a:spcPts val="0"/>
-              </a:spcBef>
-              <a:buNone/>
-            </a:pPr>
-            <a:r>
-              <a:rPr lang="en-US" sz="2000" dirty="0" smtClean="0"/>
-              <a:t>	PUT  https</a:t>
-            </a:r>
-            <a:r>
-              <a:rPr lang="en-US" sz="2000" dirty="0"/>
-              <a:t>://</a:t>
-            </a:r>
-            <a:r>
-              <a:rPr lang="en-US" sz="2000" dirty="0" smtClean="0"/>
-              <a:t>test-server.brapi.org/brapi/v2/studies/7b3a6f48</a:t>
-            </a:r>
+              <a:buNone/>
+            </a:pPr>
             <a:endParaRPr lang="en-US" sz="2000" dirty="0"/>
           </a:p>
         </p:txBody>
@@ -4549,7 +4298,7 @@
     </p:spTree>
     <p:extLst>
       <p:ext uri="{BB962C8B-B14F-4D97-AF65-F5344CB8AC3E}">
-        <p14:creationId xmlns:p14="http://schemas.microsoft.com/office/powerpoint/2010/main" val="3726661815"/>
+        <p14:creationId xmlns:p14="http://schemas.microsoft.com/office/powerpoint/2010/main" val="3381062301"/>
       </p:ext>
     </p:extLst>
   </p:cSld>
@@ -4600,7 +4349,7 @@
           <a:p>
             <a:r>
               <a:rPr lang="en-US" dirty="0" smtClean="0"/>
-              <a:t>Standard Response</a:t>
+              <a:t>Types of BrAPI Calls</a:t>
             </a:r>
             <a:endParaRPr lang="en-US" dirty="0"/>
           </a:p>
@@ -4608,335 +4357,294 @@
       </p:sp>
       <p:sp>
         <p:nvSpPr>
-          <p:cNvPr id="4" name="Content Placeholder 3"/>
+          <p:cNvPr id="3" name="Content Placeholder 2"/>
           <p:cNvSpPr>
             <a:spLocks noGrp="1"/>
           </p:cNvSpPr>
           <p:nvPr>
-            <p:ph sz="half" idx="1"/>
-          </p:nvPr>
-        </p:nvSpPr>
-        <p:spPr/>
-        <p:txBody>
-          <a:bodyPr>
-            <a:normAutofit fontScale="92500" lnSpcReduction="20000"/>
-          </a:bodyPr>
-          <a:lstStyle/>
-          <a:p>
-            <a:pPr marL="0" indent="0">
-              <a:buNone/>
-            </a:pPr>
-            <a:r>
-              <a:rPr lang="en-US" dirty="0" smtClean="0"/>
-              <a:t>Every BrAPI JSON response object has 2 keys</a:t>
-            </a:r>
-          </a:p>
-          <a:p>
-            <a:pPr marL="0" indent="0">
-              <a:buNone/>
-            </a:pPr>
-            <a:endParaRPr lang="en-US" dirty="0" smtClean="0"/>
-          </a:p>
-          <a:p>
-            <a:r>
-              <a:rPr lang="en-US" dirty="0" smtClean="0"/>
-              <a:t>“metadata” key contains information about the call</a:t>
-            </a:r>
-          </a:p>
-          <a:p>
-            <a:r>
-              <a:rPr lang="en-US" dirty="0" smtClean="0"/>
-              <a:t>“result” contains the business data requested by the caller</a:t>
-            </a:r>
-            <a:endParaRPr lang="en-US" dirty="0"/>
-          </a:p>
-        </p:txBody>
-      </p:sp>
-      <p:sp>
-        <p:nvSpPr>
-          <p:cNvPr id="5" name="Content Placeholder 4"/>
-          <p:cNvSpPr>
-            <a:spLocks noGrp="1"/>
-          </p:cNvSpPr>
-          <p:nvPr>
-            <p:ph sz="half" idx="2"/>
+            <p:ph idx="1"/>
           </p:nvPr>
         </p:nvSpPr>
         <p:spPr>
           <a:xfrm>
-            <a:off x="6964218" y="1825625"/>
-            <a:ext cx="4389582" cy="4351338"/>
+            <a:off x="838200" y="1825625"/>
+            <a:ext cx="10744200" cy="4351338"/>
           </a:xfrm>
-          <a:solidFill>
-            <a:schemeClr val="bg1">
-              <a:lumMod val="85000"/>
-            </a:schemeClr>
-          </a:solidFill>
-          <a:ln>
-            <a:solidFill>
-              <a:schemeClr val="tx1"/>
-            </a:solidFill>
-          </a:ln>
         </p:spPr>
         <p:txBody>
           <a:bodyPr>
-            <a:normAutofit fontScale="92500" lnSpcReduction="20000"/>
+            <a:normAutofit/>
           </a:bodyPr>
           <a:lstStyle/>
           <a:p>
             <a:pPr marL="0" indent="0">
-              <a:buNone/>
-            </a:pPr>
-            <a:r>
-              <a:rPr lang="en-US" dirty="0" smtClean="0">
-                <a:solidFill>
-                  <a:schemeClr val="tx1"/>
-                </a:solidFill>
-                <a:latin typeface="Consolas" panose="020B0609020204030204" pitchFamily="49" charset="0"/>
-              </a:rPr>
-              <a:t>{</a:t>
+              <a:lnSpc>
+                <a:spcPct val="100000"/>
+              </a:lnSpc>
+              <a:spcBef>
+                <a:spcPts val="0"/>
+              </a:spcBef>
+              <a:buNone/>
+            </a:pPr>
+            <a:r>
+              <a:rPr lang="en-US" dirty="0" smtClean="0"/>
+              <a:t>Retrieve a Single Object by </a:t>
+            </a:r>
+            <a:r>
+              <a:rPr lang="en-US" dirty="0" err="1" smtClean="0"/>
+              <a:t>DbId</a:t>
+            </a:r>
+            <a:r>
+              <a:rPr lang="en-US" dirty="0" smtClean="0"/>
+              <a:t> or a Filtered </a:t>
+            </a:r>
+            <a:r>
+              <a:rPr lang="en-US" dirty="0"/>
+              <a:t>L</a:t>
+            </a:r>
+            <a:r>
+              <a:rPr lang="en-US" dirty="0" smtClean="0"/>
+              <a:t>ist</a:t>
             </a:r>
           </a:p>
           <a:p>
             <a:pPr marL="0" indent="0">
-              <a:buNone/>
-            </a:pPr>
-            <a:r>
-              <a:rPr lang="en-US" dirty="0">
-                <a:solidFill>
-                  <a:schemeClr val="tx1"/>
-                </a:solidFill>
-                <a:latin typeface="Consolas" panose="020B0609020204030204" pitchFamily="49" charset="0"/>
-              </a:rPr>
-              <a:t> </a:t>
-            </a:r>
-            <a:r>
-              <a:rPr lang="en-US" dirty="0" smtClean="0">
-                <a:solidFill>
-                  <a:schemeClr val="tx1"/>
-                </a:solidFill>
-                <a:latin typeface="Consolas" panose="020B0609020204030204" pitchFamily="49" charset="0"/>
-              </a:rPr>
-              <a:t> “</a:t>
-            </a:r>
-            <a:r>
-              <a:rPr lang="en-US" b="1" dirty="0" smtClean="0">
-                <a:solidFill>
-                  <a:schemeClr val="tx1"/>
-                </a:solidFill>
-                <a:latin typeface="Consolas" panose="020B0609020204030204" pitchFamily="49" charset="0"/>
-              </a:rPr>
-              <a:t>metadata</a:t>
-            </a:r>
-            <a:r>
-              <a:rPr lang="en-US" dirty="0" smtClean="0">
-                <a:solidFill>
-                  <a:schemeClr val="tx1"/>
-                </a:solidFill>
-                <a:latin typeface="Consolas" panose="020B0609020204030204" pitchFamily="49" charset="0"/>
-              </a:rPr>
-              <a:t>”: {</a:t>
-            </a:r>
+              <a:lnSpc>
+                <a:spcPct val="100000"/>
+              </a:lnSpc>
+              <a:spcBef>
+                <a:spcPts val="0"/>
+              </a:spcBef>
+              <a:buNone/>
+            </a:pPr>
+            <a:r>
+              <a:rPr lang="en-US" dirty="0"/>
+              <a:t>	</a:t>
+            </a:r>
+            <a:r>
+              <a:rPr lang="en-US" sz="2000" dirty="0"/>
+              <a:t>GET </a:t>
+            </a:r>
+            <a:r>
+              <a:rPr lang="en-US" sz="2000" dirty="0" smtClean="0"/>
+              <a:t> https</a:t>
+            </a:r>
+            <a:r>
+              <a:rPr lang="en-US" sz="2000" dirty="0"/>
+              <a:t>://</a:t>
+            </a:r>
+            <a:r>
+              <a:rPr lang="en-US" sz="2000" dirty="0" smtClean="0"/>
+              <a:t>test-server.brapi.org/brapi/v2/studies/3d39af43</a:t>
+            </a:r>
+            <a:endParaRPr lang="en-US" sz="2000" dirty="0"/>
           </a:p>
           <a:p>
             <a:pPr marL="0" indent="0">
-              <a:buNone/>
-            </a:pPr>
-            <a:r>
-              <a:rPr lang="en-US" dirty="0">
-                <a:solidFill>
-                  <a:schemeClr val="tx1"/>
-                </a:solidFill>
-                <a:latin typeface="Consolas" panose="020B0609020204030204" pitchFamily="49" charset="0"/>
-              </a:rPr>
-              <a:t> </a:t>
-            </a:r>
-            <a:r>
-              <a:rPr lang="en-US" dirty="0" smtClean="0">
-                <a:solidFill>
-                  <a:schemeClr val="tx1"/>
-                </a:solidFill>
-                <a:latin typeface="Consolas" panose="020B0609020204030204" pitchFamily="49" charset="0"/>
-              </a:rPr>
-              <a:t>   “pagination” : {}</a:t>
+              <a:lnSpc>
+                <a:spcPct val="100000"/>
+              </a:lnSpc>
+              <a:spcBef>
+                <a:spcPts val="0"/>
+              </a:spcBef>
+              <a:buNone/>
+            </a:pPr>
+            <a:r>
+              <a:rPr lang="en-US" sz="2000" dirty="0" smtClean="0"/>
+              <a:t>	</a:t>
+            </a:r>
+            <a:r>
+              <a:rPr lang="en-US" sz="2000" dirty="0"/>
+              <a:t>GET </a:t>
+            </a:r>
+            <a:r>
+              <a:rPr lang="en-US" sz="2000" dirty="0" smtClean="0"/>
+              <a:t> https</a:t>
+            </a:r>
+            <a:r>
+              <a:rPr lang="en-US" sz="2000" dirty="0"/>
+              <a:t>://</a:t>
+            </a:r>
+            <a:r>
+              <a:rPr lang="en-US" sz="2000" dirty="0" smtClean="0"/>
+              <a:t>test-server.brapi.org/brapi/v2/studies?germplasmDbId=2d30af45&amp;active=true</a:t>
             </a:r>
           </a:p>
           <a:p>
             <a:pPr marL="0" indent="0">
-              <a:buNone/>
-            </a:pPr>
-            <a:r>
-              <a:rPr lang="en-US" dirty="0">
-                <a:solidFill>
-                  <a:schemeClr val="tx1"/>
-                </a:solidFill>
-                <a:latin typeface="Consolas" panose="020B0609020204030204" pitchFamily="49" charset="0"/>
-              </a:rPr>
-              <a:t> </a:t>
-            </a:r>
-            <a:r>
-              <a:rPr lang="en-US" dirty="0" smtClean="0">
-                <a:solidFill>
-                  <a:schemeClr val="tx1"/>
-                </a:solidFill>
-                <a:latin typeface="Consolas" panose="020B0609020204030204" pitchFamily="49" charset="0"/>
-              </a:rPr>
-              <a:t>   ...</a:t>
-            </a:r>
+              <a:lnSpc>
+                <a:spcPct val="100000"/>
+              </a:lnSpc>
+              <a:spcBef>
+                <a:spcPts val="1200"/>
+              </a:spcBef>
+              <a:buNone/>
+            </a:pPr>
+            <a:r>
+              <a:rPr lang="en-US" dirty="0" smtClean="0"/>
+              <a:t>Search with </a:t>
+            </a:r>
+            <a:r>
+              <a:rPr lang="en-US" dirty="0"/>
+              <a:t>C</a:t>
+            </a:r>
+            <a:r>
+              <a:rPr lang="en-US" dirty="0" smtClean="0"/>
+              <a:t>omplex </a:t>
+            </a:r>
+            <a:r>
+              <a:rPr lang="en-US" dirty="0"/>
+              <a:t>P</a:t>
+            </a:r>
+            <a:r>
+              <a:rPr lang="en-US" dirty="0" smtClean="0"/>
+              <a:t>arameters</a:t>
+            </a:r>
+            <a:endParaRPr lang="en-US" dirty="0"/>
           </a:p>
           <a:p>
             <a:pPr marL="0" indent="0">
-              <a:buNone/>
-            </a:pPr>
-            <a:r>
-              <a:rPr lang="en-US" dirty="0">
-                <a:solidFill>
-                  <a:schemeClr val="tx1"/>
-                </a:solidFill>
-                <a:latin typeface="Consolas" panose="020B0609020204030204" pitchFamily="49" charset="0"/>
-              </a:rPr>
-              <a:t> </a:t>
-            </a:r>
-            <a:r>
-              <a:rPr lang="en-US" dirty="0" smtClean="0">
-                <a:solidFill>
-                  <a:schemeClr val="tx1"/>
-                </a:solidFill>
-                <a:latin typeface="Consolas" panose="020B0609020204030204" pitchFamily="49" charset="0"/>
-              </a:rPr>
-              <a:t> },</a:t>
-            </a:r>
+              <a:lnSpc>
+                <a:spcPct val="100000"/>
+              </a:lnSpc>
+              <a:spcBef>
+                <a:spcPts val="0"/>
+              </a:spcBef>
+              <a:buNone/>
+            </a:pPr>
+            <a:r>
+              <a:rPr lang="en-US" sz="2000" dirty="0"/>
+              <a:t>	POST </a:t>
+            </a:r>
+            <a:r>
+              <a:rPr lang="en-US" sz="2000" dirty="0" smtClean="0"/>
+              <a:t> https</a:t>
+            </a:r>
+            <a:r>
+              <a:rPr lang="en-US" sz="2000" dirty="0"/>
+              <a:t>://</a:t>
+            </a:r>
+            <a:r>
+              <a:rPr lang="en-US" sz="2000" dirty="0" smtClean="0"/>
+              <a:t>test-server.brapi.org/brapi/v2/search/studies</a:t>
+            </a:r>
+            <a:endParaRPr lang="en-US" sz="2000" dirty="0"/>
           </a:p>
           <a:p>
             <a:pPr marL="0" indent="0">
-              <a:buNone/>
-            </a:pPr>
-            <a:r>
-              <a:rPr lang="en-US" dirty="0">
-                <a:solidFill>
-                  <a:schemeClr val="tx1"/>
-                </a:solidFill>
-                <a:latin typeface="Consolas" panose="020B0609020204030204" pitchFamily="49" charset="0"/>
-              </a:rPr>
-              <a:t> </a:t>
-            </a:r>
-            <a:r>
-              <a:rPr lang="en-US" dirty="0" smtClean="0">
-                <a:solidFill>
-                  <a:schemeClr val="tx1"/>
-                </a:solidFill>
-                <a:latin typeface="Consolas" panose="020B0609020204030204" pitchFamily="49" charset="0"/>
-              </a:rPr>
-              <a:t> “</a:t>
-            </a:r>
-            <a:r>
-              <a:rPr lang="en-US" b="1" dirty="0" smtClean="0">
-                <a:solidFill>
-                  <a:schemeClr val="tx1"/>
-                </a:solidFill>
-                <a:latin typeface="Consolas" panose="020B0609020204030204" pitchFamily="49" charset="0"/>
-              </a:rPr>
-              <a:t>result</a:t>
-            </a:r>
-            <a:r>
-              <a:rPr lang="en-US" dirty="0" smtClean="0">
-                <a:solidFill>
-                  <a:schemeClr val="tx1"/>
-                </a:solidFill>
-                <a:latin typeface="Consolas" panose="020B0609020204030204" pitchFamily="49" charset="0"/>
-              </a:rPr>
-              <a:t>”: {</a:t>
+              <a:lnSpc>
+                <a:spcPct val="100000"/>
+              </a:lnSpc>
+              <a:spcBef>
+                <a:spcPts val="0"/>
+              </a:spcBef>
+              <a:buNone/>
+            </a:pPr>
+            <a:r>
+              <a:rPr lang="en-US" sz="2000" dirty="0"/>
+              <a:t>	</a:t>
+            </a:r>
+            <a:r>
+              <a:rPr lang="en-US" sz="2000" dirty="0" smtClean="0"/>
+              <a:t>GET  https</a:t>
+            </a:r>
+            <a:r>
+              <a:rPr lang="en-US" sz="2000" dirty="0"/>
+              <a:t>://</a:t>
+            </a:r>
+            <a:r>
+              <a:rPr lang="en-US" sz="2000" dirty="0" smtClean="0"/>
+              <a:t>test-server.brapi.org/brapi/v2/search/studies/5a00af65</a:t>
             </a:r>
           </a:p>
           <a:p>
             <a:pPr marL="0" indent="0">
-              <a:buNone/>
-            </a:pPr>
-            <a:r>
-              <a:rPr lang="en-US" dirty="0">
-                <a:solidFill>
-                  <a:schemeClr val="tx1"/>
-                </a:solidFill>
-                <a:latin typeface="Consolas" panose="020B0609020204030204" pitchFamily="49" charset="0"/>
-              </a:rPr>
-              <a:t> </a:t>
-            </a:r>
-            <a:r>
-              <a:rPr lang="en-US" dirty="0" smtClean="0">
-                <a:solidFill>
-                  <a:schemeClr val="tx1"/>
-                </a:solidFill>
-                <a:latin typeface="Consolas" panose="020B0609020204030204" pitchFamily="49" charset="0"/>
-              </a:rPr>
-              <a:t>   “data”: []</a:t>
+              <a:lnSpc>
+                <a:spcPct val="100000"/>
+              </a:lnSpc>
+              <a:spcBef>
+                <a:spcPts val="1200"/>
+              </a:spcBef>
+              <a:buNone/>
+            </a:pPr>
+            <a:r>
+              <a:rPr lang="en-US" dirty="0" smtClean="0"/>
+              <a:t>Add New Objects</a:t>
             </a:r>
           </a:p>
           <a:p>
             <a:pPr marL="0" indent="0">
-              <a:buNone/>
-            </a:pPr>
-            <a:r>
-              <a:rPr lang="en-US" dirty="0">
-                <a:solidFill>
-                  <a:schemeClr val="tx1"/>
-                </a:solidFill>
-                <a:latin typeface="Consolas" panose="020B0609020204030204" pitchFamily="49" charset="0"/>
-              </a:rPr>
-              <a:t> </a:t>
-            </a:r>
-            <a:r>
-              <a:rPr lang="en-US" dirty="0" smtClean="0">
-                <a:solidFill>
-                  <a:schemeClr val="tx1"/>
-                </a:solidFill>
-                <a:latin typeface="Consolas" panose="020B0609020204030204" pitchFamily="49" charset="0"/>
-              </a:rPr>
-              <a:t>   ...</a:t>
-            </a:r>
+              <a:lnSpc>
+                <a:spcPct val="100000"/>
+              </a:lnSpc>
+              <a:spcBef>
+                <a:spcPts val="0"/>
+              </a:spcBef>
+              <a:buNone/>
+            </a:pPr>
+            <a:r>
+              <a:rPr lang="en-US" sz="2000" dirty="0"/>
+              <a:t>	</a:t>
+            </a:r>
+            <a:r>
+              <a:rPr lang="en-US" sz="2000" dirty="0" smtClean="0"/>
+              <a:t>POST  https</a:t>
+            </a:r>
+            <a:r>
+              <a:rPr lang="en-US" sz="2000" dirty="0"/>
+              <a:t>://</a:t>
+            </a:r>
+            <a:r>
+              <a:rPr lang="en-US" sz="2000" dirty="0" smtClean="0"/>
+              <a:t>test-server.brapi.org/brapi/v2/studies</a:t>
+            </a:r>
+            <a:endParaRPr lang="en-US" sz="2000" dirty="0"/>
           </a:p>
           <a:p>
             <a:pPr marL="0" indent="0">
-              <a:buNone/>
-            </a:pPr>
-            <a:r>
-              <a:rPr lang="en-US" dirty="0">
-                <a:solidFill>
-                  <a:schemeClr val="tx1"/>
-                </a:solidFill>
-                <a:latin typeface="Consolas" panose="020B0609020204030204" pitchFamily="49" charset="0"/>
-              </a:rPr>
-              <a:t> </a:t>
-            </a:r>
-            <a:r>
-              <a:rPr lang="en-US" dirty="0" smtClean="0">
-                <a:solidFill>
-                  <a:schemeClr val="tx1"/>
-                </a:solidFill>
-                <a:latin typeface="Consolas" panose="020B0609020204030204" pitchFamily="49" charset="0"/>
-              </a:rPr>
-              <a:t> }</a:t>
+              <a:lnSpc>
+                <a:spcPct val="100000"/>
+              </a:lnSpc>
+              <a:spcBef>
+                <a:spcPts val="1200"/>
+              </a:spcBef>
+              <a:buNone/>
+            </a:pPr>
+            <a:r>
+              <a:rPr lang="en-US" dirty="0" smtClean="0"/>
+              <a:t>Update Existing Object</a:t>
             </a:r>
           </a:p>
           <a:p>
             <a:pPr marL="0" indent="0">
-              <a:buNone/>
-            </a:pPr>
-            <a:r>
-              <a:rPr lang="en-US" dirty="0">
-                <a:solidFill>
-                  <a:schemeClr val="tx1"/>
-                </a:solidFill>
-                <a:latin typeface="Consolas" panose="020B0609020204030204" pitchFamily="49" charset="0"/>
-              </a:rPr>
-              <a:t>}</a:t>
-            </a:r>
+              <a:lnSpc>
+                <a:spcPct val="100000"/>
+              </a:lnSpc>
+              <a:spcBef>
+                <a:spcPts val="0"/>
+              </a:spcBef>
+              <a:buNone/>
+            </a:pPr>
+            <a:r>
+              <a:rPr lang="en-US" sz="2000" dirty="0" smtClean="0"/>
+              <a:t>	PUT  https</a:t>
+            </a:r>
+            <a:r>
+              <a:rPr lang="en-US" sz="2000" dirty="0"/>
+              <a:t>://</a:t>
+            </a:r>
+            <a:r>
+              <a:rPr lang="en-US" sz="2000" dirty="0" smtClean="0"/>
+              <a:t>test-server.brapi.org/brapi/v2/studies/7b3a6f48</a:t>
+            </a:r>
+            <a:endParaRPr lang="en-US" sz="2000" dirty="0"/>
           </a:p>
         </p:txBody>
       </p:sp>
     </p:spTree>
     <p:extLst>
       <p:ext uri="{BB962C8B-B14F-4D97-AF65-F5344CB8AC3E}">
-        <p14:creationId xmlns:p14="http://schemas.microsoft.com/office/powerpoint/2010/main" val="1407284263"/>
+        <p14:creationId xmlns:p14="http://schemas.microsoft.com/office/powerpoint/2010/main" val="3726661815"/>
       </p:ext>
     </p:extLst>
   </p:cSld>
@@ -4987,6 +4695,393 @@
           <a:p>
             <a:r>
               <a:rPr lang="en-US" dirty="0" smtClean="0"/>
+              <a:t>Standard Response</a:t>
+            </a:r>
+            <a:endParaRPr lang="en-US" dirty="0"/>
+          </a:p>
+        </p:txBody>
+      </p:sp>
+      <p:sp>
+        <p:nvSpPr>
+          <p:cNvPr id="4" name="Content Placeholder 3"/>
+          <p:cNvSpPr>
+            <a:spLocks noGrp="1"/>
+          </p:cNvSpPr>
+          <p:nvPr>
+            <p:ph sz="half" idx="1"/>
+          </p:nvPr>
+        </p:nvSpPr>
+        <p:spPr/>
+        <p:txBody>
+          <a:bodyPr>
+            <a:normAutofit fontScale="92500" lnSpcReduction="20000"/>
+          </a:bodyPr>
+          <a:lstStyle/>
+          <a:p>
+            <a:pPr marL="0" indent="0">
+              <a:buNone/>
+            </a:pPr>
+            <a:r>
+              <a:rPr lang="en-US" dirty="0" smtClean="0"/>
+              <a:t>Every BrAPI JSON response object has 2 keys</a:t>
+            </a:r>
+          </a:p>
+          <a:p>
+            <a:pPr marL="0" indent="0">
+              <a:buNone/>
+            </a:pPr>
+            <a:endParaRPr lang="en-US" dirty="0" smtClean="0"/>
+          </a:p>
+          <a:p>
+            <a:r>
+              <a:rPr lang="en-US" dirty="0" smtClean="0"/>
+              <a:t>“metadata” key contains information about the call</a:t>
+            </a:r>
+          </a:p>
+          <a:p>
+            <a:r>
+              <a:rPr lang="en-US" dirty="0" smtClean="0"/>
+              <a:t>“result” contains the business data requested by the caller</a:t>
+            </a:r>
+            <a:endParaRPr lang="en-US" dirty="0"/>
+          </a:p>
+        </p:txBody>
+      </p:sp>
+      <p:sp>
+        <p:nvSpPr>
+          <p:cNvPr id="5" name="Content Placeholder 4"/>
+          <p:cNvSpPr>
+            <a:spLocks noGrp="1"/>
+          </p:cNvSpPr>
+          <p:nvPr>
+            <p:ph sz="half" idx="2"/>
+          </p:nvPr>
+        </p:nvSpPr>
+        <p:spPr>
+          <a:xfrm>
+            <a:off x="6964218" y="1825625"/>
+            <a:ext cx="4389582" cy="4351338"/>
+          </a:xfrm>
+          <a:solidFill>
+            <a:schemeClr val="bg1">
+              <a:lumMod val="85000"/>
+            </a:schemeClr>
+          </a:solidFill>
+          <a:ln>
+            <a:solidFill>
+              <a:schemeClr val="tx1"/>
+            </a:solidFill>
+          </a:ln>
+        </p:spPr>
+        <p:txBody>
+          <a:bodyPr>
+            <a:normAutofit fontScale="92500" lnSpcReduction="20000"/>
+          </a:bodyPr>
+          <a:lstStyle/>
+          <a:p>
+            <a:pPr marL="0" indent="0">
+              <a:buNone/>
+            </a:pPr>
+            <a:r>
+              <a:rPr lang="en-US" dirty="0" smtClean="0">
+                <a:solidFill>
+                  <a:schemeClr val="tx1"/>
+                </a:solidFill>
+                <a:latin typeface="Consolas" panose="020B0609020204030204" pitchFamily="49" charset="0"/>
+              </a:rPr>
+              <a:t>{</a:t>
+            </a:r>
+          </a:p>
+          <a:p>
+            <a:pPr marL="0" indent="0">
+              <a:buNone/>
+            </a:pPr>
+            <a:r>
+              <a:rPr lang="en-US" dirty="0">
+                <a:solidFill>
+                  <a:schemeClr val="tx1"/>
+                </a:solidFill>
+                <a:latin typeface="Consolas" panose="020B0609020204030204" pitchFamily="49" charset="0"/>
+              </a:rPr>
+              <a:t> </a:t>
+            </a:r>
+            <a:r>
+              <a:rPr lang="en-US" dirty="0" smtClean="0">
+                <a:solidFill>
+                  <a:schemeClr val="tx1"/>
+                </a:solidFill>
+                <a:latin typeface="Consolas" panose="020B0609020204030204" pitchFamily="49" charset="0"/>
+              </a:rPr>
+              <a:t> “</a:t>
+            </a:r>
+            <a:r>
+              <a:rPr lang="en-US" b="1" dirty="0" smtClean="0">
+                <a:solidFill>
+                  <a:schemeClr val="tx1"/>
+                </a:solidFill>
+                <a:latin typeface="Consolas" panose="020B0609020204030204" pitchFamily="49" charset="0"/>
+              </a:rPr>
+              <a:t>metadata</a:t>
+            </a:r>
+            <a:r>
+              <a:rPr lang="en-US" dirty="0" smtClean="0">
+                <a:solidFill>
+                  <a:schemeClr val="tx1"/>
+                </a:solidFill>
+                <a:latin typeface="Consolas" panose="020B0609020204030204" pitchFamily="49" charset="0"/>
+              </a:rPr>
+              <a:t>”: {</a:t>
+            </a:r>
+          </a:p>
+          <a:p>
+            <a:pPr marL="0" indent="0">
+              <a:buNone/>
+            </a:pPr>
+            <a:r>
+              <a:rPr lang="en-US" dirty="0">
+                <a:solidFill>
+                  <a:schemeClr val="tx1"/>
+                </a:solidFill>
+                <a:latin typeface="Consolas" panose="020B0609020204030204" pitchFamily="49" charset="0"/>
+              </a:rPr>
+              <a:t> </a:t>
+            </a:r>
+            <a:r>
+              <a:rPr lang="en-US" dirty="0" smtClean="0">
+                <a:solidFill>
+                  <a:schemeClr val="tx1"/>
+                </a:solidFill>
+                <a:latin typeface="Consolas" panose="020B0609020204030204" pitchFamily="49" charset="0"/>
+              </a:rPr>
+              <a:t>   “pagination” : {}</a:t>
+            </a:r>
+          </a:p>
+          <a:p>
+            <a:pPr marL="0" indent="0">
+              <a:buNone/>
+            </a:pPr>
+            <a:r>
+              <a:rPr lang="en-US" dirty="0">
+                <a:solidFill>
+                  <a:schemeClr val="tx1"/>
+                </a:solidFill>
+                <a:latin typeface="Consolas" panose="020B0609020204030204" pitchFamily="49" charset="0"/>
+              </a:rPr>
+              <a:t> </a:t>
+            </a:r>
+            <a:r>
+              <a:rPr lang="en-US" dirty="0" smtClean="0">
+                <a:solidFill>
+                  <a:schemeClr val="tx1"/>
+                </a:solidFill>
+                <a:latin typeface="Consolas" panose="020B0609020204030204" pitchFamily="49" charset="0"/>
+              </a:rPr>
+              <a:t>   ...</a:t>
+            </a:r>
+          </a:p>
+          <a:p>
+            <a:pPr marL="0" indent="0">
+              <a:buNone/>
+            </a:pPr>
+            <a:r>
+              <a:rPr lang="en-US" dirty="0">
+                <a:solidFill>
+                  <a:schemeClr val="tx1"/>
+                </a:solidFill>
+                <a:latin typeface="Consolas" panose="020B0609020204030204" pitchFamily="49" charset="0"/>
+              </a:rPr>
+              <a:t> </a:t>
+            </a:r>
+            <a:r>
+              <a:rPr lang="en-US" dirty="0" smtClean="0">
+                <a:solidFill>
+                  <a:schemeClr val="tx1"/>
+                </a:solidFill>
+                <a:latin typeface="Consolas" panose="020B0609020204030204" pitchFamily="49" charset="0"/>
+              </a:rPr>
+              <a:t> },</a:t>
+            </a:r>
+          </a:p>
+          <a:p>
+            <a:pPr marL="0" indent="0">
+              <a:buNone/>
+            </a:pPr>
+            <a:r>
+              <a:rPr lang="en-US" dirty="0">
+                <a:solidFill>
+                  <a:schemeClr val="tx1"/>
+                </a:solidFill>
+                <a:latin typeface="Consolas" panose="020B0609020204030204" pitchFamily="49" charset="0"/>
+              </a:rPr>
+              <a:t> </a:t>
+            </a:r>
+            <a:r>
+              <a:rPr lang="en-US" dirty="0" smtClean="0">
+                <a:solidFill>
+                  <a:schemeClr val="tx1"/>
+                </a:solidFill>
+                <a:latin typeface="Consolas" panose="020B0609020204030204" pitchFamily="49" charset="0"/>
+              </a:rPr>
+              <a:t> “</a:t>
+            </a:r>
+            <a:r>
+              <a:rPr lang="en-US" b="1" dirty="0" smtClean="0">
+                <a:solidFill>
+                  <a:schemeClr val="tx1"/>
+                </a:solidFill>
+                <a:latin typeface="Consolas" panose="020B0609020204030204" pitchFamily="49" charset="0"/>
+              </a:rPr>
+              <a:t>result</a:t>
+            </a:r>
+            <a:r>
+              <a:rPr lang="en-US" dirty="0" smtClean="0">
+                <a:solidFill>
+                  <a:schemeClr val="tx1"/>
+                </a:solidFill>
+                <a:latin typeface="Consolas" panose="020B0609020204030204" pitchFamily="49" charset="0"/>
+              </a:rPr>
+              <a:t>”: {</a:t>
+            </a:r>
+          </a:p>
+          <a:p>
+            <a:pPr marL="0" indent="0">
+              <a:buNone/>
+            </a:pPr>
+            <a:r>
+              <a:rPr lang="en-US" dirty="0">
+                <a:solidFill>
+                  <a:schemeClr val="tx1"/>
+                </a:solidFill>
+                <a:latin typeface="Consolas" panose="020B0609020204030204" pitchFamily="49" charset="0"/>
+              </a:rPr>
+              <a:t> </a:t>
+            </a:r>
+            <a:r>
+              <a:rPr lang="en-US" dirty="0" smtClean="0">
+                <a:solidFill>
+                  <a:schemeClr val="tx1"/>
+                </a:solidFill>
+                <a:latin typeface="Consolas" panose="020B0609020204030204" pitchFamily="49" charset="0"/>
+              </a:rPr>
+              <a:t>   “data”: []</a:t>
+            </a:r>
+          </a:p>
+          <a:p>
+            <a:pPr marL="0" indent="0">
+              <a:buNone/>
+            </a:pPr>
+            <a:r>
+              <a:rPr lang="en-US" dirty="0">
+                <a:solidFill>
+                  <a:schemeClr val="tx1"/>
+                </a:solidFill>
+                <a:latin typeface="Consolas" panose="020B0609020204030204" pitchFamily="49" charset="0"/>
+              </a:rPr>
+              <a:t> </a:t>
+            </a:r>
+            <a:r>
+              <a:rPr lang="en-US" dirty="0" smtClean="0">
+                <a:solidFill>
+                  <a:schemeClr val="tx1"/>
+                </a:solidFill>
+                <a:latin typeface="Consolas" panose="020B0609020204030204" pitchFamily="49" charset="0"/>
+              </a:rPr>
+              <a:t>   ...</a:t>
+            </a:r>
+          </a:p>
+          <a:p>
+            <a:pPr marL="0" indent="0">
+              <a:buNone/>
+            </a:pPr>
+            <a:r>
+              <a:rPr lang="en-US" dirty="0">
+                <a:solidFill>
+                  <a:schemeClr val="tx1"/>
+                </a:solidFill>
+                <a:latin typeface="Consolas" panose="020B0609020204030204" pitchFamily="49" charset="0"/>
+              </a:rPr>
+              <a:t> </a:t>
+            </a:r>
+            <a:r>
+              <a:rPr lang="en-US" dirty="0" smtClean="0">
+                <a:solidFill>
+                  <a:schemeClr val="tx1"/>
+                </a:solidFill>
+                <a:latin typeface="Consolas" panose="020B0609020204030204" pitchFamily="49" charset="0"/>
+              </a:rPr>
+              <a:t> }</a:t>
+            </a:r>
+          </a:p>
+          <a:p>
+            <a:pPr marL="0" indent="0">
+              <a:buNone/>
+            </a:pPr>
+            <a:r>
+              <a:rPr lang="en-US" dirty="0">
+                <a:solidFill>
+                  <a:schemeClr val="tx1"/>
+                </a:solidFill>
+                <a:latin typeface="Consolas" panose="020B0609020204030204" pitchFamily="49" charset="0"/>
+              </a:rPr>
+              <a:t>}</a:t>
+            </a:r>
+          </a:p>
+        </p:txBody>
+      </p:sp>
+    </p:spTree>
+    <p:extLst>
+      <p:ext uri="{BB962C8B-B14F-4D97-AF65-F5344CB8AC3E}">
+        <p14:creationId xmlns:p14="http://schemas.microsoft.com/office/powerpoint/2010/main" val="1407284263"/>
+      </p:ext>
+    </p:extLst>
+  </p:cSld>
+  <p:clrMapOvr>
+    <a:masterClrMapping/>
+  </p:clrMapOvr>
+  <p:timing>
+    <p:tnLst>
+      <p:par>
+        <p:cTn id="1" dur="indefinite" restart="never" nodeType="tmRoot"/>
+      </p:par>
+    </p:tnLst>
+  </p:timing>
+</p:sld>
+</file>
+
+<file path=ppt/slides/slide15.xml><?xml version="1.0" encoding="utf-8"?>
+<p:sld xmlns:a="http://schemas.openxmlformats.org/drawingml/2006/main" xmlns:r="http://schemas.openxmlformats.org/officeDocument/2006/relationships" xmlns:p="http://schemas.openxmlformats.org/presentationml/2006/main">
+  <p:cSld>
+    <p:spTree>
+      <p:nvGrpSpPr>
+        <p:cNvPr id="1" name=""/>
+        <p:cNvGrpSpPr/>
+        <p:nvPr/>
+      </p:nvGrpSpPr>
+      <p:grpSpPr>
+        <a:xfrm>
+          <a:off x="0" y="0"/>
+          <a:ext cx="0" cy="0"/>
+          <a:chOff x="0" y="0"/>
+          <a:chExt cx="0" cy="0"/>
+        </a:xfrm>
+      </p:grpSpPr>
+      <p:sp>
+        <p:nvSpPr>
+          <p:cNvPr id="2" name="Title 1"/>
+          <p:cNvSpPr>
+            <a:spLocks noGrp="1"/>
+          </p:cNvSpPr>
+          <p:nvPr>
+            <p:ph type="title"/>
+          </p:nvPr>
+        </p:nvSpPr>
+        <p:spPr/>
+        <p:txBody>
+          <a:bodyPr/>
+          <a:lstStyle/>
+          <a:p>
+            <a:r>
+              <a:rPr lang="en-US" dirty="0" smtClean="0"/>
               <a:t>Standard Response - Metadata</a:t>
             </a:r>
             <a:endParaRPr lang="en-US" dirty="0"/>
@@ -5808,7 +5903,7 @@
 </p:sld>
 </file>
 
-<file path=ppt/slides/slide15.xml><?xml version="1.0" encoding="utf-8"?>
+<file path=ppt/slides/slide16.xml><?xml version="1.0" encoding="utf-8"?>
 <p:sld xmlns:a="http://schemas.openxmlformats.org/drawingml/2006/main" xmlns:r="http://schemas.openxmlformats.org/officeDocument/2006/relationships" xmlns:p="http://schemas.openxmlformats.org/presentationml/2006/main">
   <p:cSld>
     <p:spTree>
@@ -9878,37 +9973,9 @@
           <a:chExt cx="0" cy="0"/>
         </a:xfrm>
       </p:grpSpPr>
-      <p:sp>
-        <p:nvSpPr>
-          <p:cNvPr id="2" name="Title 1"/>
-          <p:cNvSpPr>
-            <a:spLocks noGrp="1"/>
-          </p:cNvSpPr>
-          <p:nvPr>
-            <p:ph type="title"/>
-          </p:nvPr>
-        </p:nvSpPr>
-        <p:spPr>
-          <a:xfrm>
-            <a:off x="838200" y="365129"/>
-            <a:ext cx="10515600" cy="819237"/>
-          </a:xfrm>
-        </p:spPr>
-        <p:txBody>
-          <a:bodyPr/>
-          <a:lstStyle/>
-          <a:p>
-            <a:r>
-              <a:rPr lang="en-US" dirty="0" smtClean="0"/>
-              <a:t>Manual Data Transfer</a:t>
-            </a:r>
-            <a:endParaRPr lang="en-US" dirty="0"/>
-          </a:p>
-        </p:txBody>
-      </p:sp>
       <p:pic>
         <p:nvPicPr>
-          <p:cNvPr id="4" name="Content Placeholder 3"/>
+          <p:cNvPr id="7" name="Content Placeholder 6"/>
           <p:cNvPicPr>
             <a:picLocks noGrp="1" noChangeAspect="1"/>
           </p:cNvPicPr>
@@ -9917,7 +9984,7 @@
           </p:nvPr>
         </p:nvPicPr>
         <p:blipFill>
-          <a:blip r:embed="rId2">
+          <a:blip r:embed="rId2" cstate="print">
             <a:extLst>
               <a:ext uri="{28A0092B-C50C-407E-A947-70E740481C1C}">
                 <a14:useLocalDpi xmlns:a14="http://schemas.microsoft.com/office/drawing/2010/main" val="0"/>
@@ -9930,28 +9997,21 @@
         </p:blipFill>
         <p:spPr>
           <a:xfrm>
-            <a:off x="838200" y="1489484"/>
-            <a:ext cx="10515600" cy="4710112"/>
+            <a:off x="69368" y="-9927"/>
+            <a:ext cx="12076386" cy="6867927"/>
           </a:xfrm>
         </p:spPr>
       </p:pic>
     </p:spTree>
     <p:extLst>
       <p:ext uri="{BB962C8B-B14F-4D97-AF65-F5344CB8AC3E}">
-        <p14:creationId xmlns:p14="http://schemas.microsoft.com/office/powerpoint/2010/main" val="3601640230"/>
+        <p14:creationId xmlns:p14="http://schemas.microsoft.com/office/powerpoint/2010/main" val="4180834510"/>
       </p:ext>
     </p:extLst>
   </p:cSld>
   <p:clrMapOvr>
     <a:masterClrMapping/>
   </p:clrMapOvr>
-  <p:timing>
-    <p:tnLst>
-      <p:par>
-        <p:cTn id="1" dur="indefinite" restart="never" nodeType="tmRoot"/>
-      </p:par>
-    </p:tnLst>
-  </p:timing>
 </p:sld>
 </file>
 

--- a/brapi-website-node/public/docs/BrAPI_101.pptx
+++ b/brapi-website-node/public/docs/BrAPI_101.pptx
@@ -11,9 +11,9 @@
     <p:sldId id="264" r:id="rId5"/>
     <p:sldId id="265" r:id="rId6"/>
     <p:sldId id="266" r:id="rId7"/>
-    <p:sldId id="273" r:id="rId8"/>
-    <p:sldId id="276" r:id="rId9"/>
-    <p:sldId id="277" r:id="rId10"/>
+    <p:sldId id="277" r:id="rId8"/>
+    <p:sldId id="273" r:id="rId9"/>
+    <p:sldId id="276" r:id="rId10"/>
     <p:sldId id="274" r:id="rId11"/>
     <p:sldId id="275" r:id="rId12"/>
     <p:sldId id="267" r:id="rId13"/>
@@ -21,6 +21,7 @@
     <p:sldId id="269" r:id="rId15"/>
     <p:sldId id="270" r:id="rId16"/>
     <p:sldId id="271" r:id="rId17"/>
+    <p:sldId id="278" r:id="rId18"/>
   </p:sldIdLst>
   <p:sldSz cx="12192000" cy="6858000"/>
   <p:notesSz cx="6858000" cy="9144000"/>
@@ -258,7 +259,7 @@
           <a:p>
             <a:fld id="{82A2CD9B-2866-40B9-B522-5B6D6B340C34}" type="datetimeFigureOut">
               <a:rPr lang="en-US" smtClean="0"/>
-              <a:t>9/28/2021</a:t>
+              <a:t>4/25/2022</a:t>
             </a:fld>
             <a:endParaRPr lang="en-US"/>
           </a:p>
@@ -436,7 +437,7 @@
           <a:p>
             <a:fld id="{82A2CD9B-2866-40B9-B522-5B6D6B340C34}" type="datetimeFigureOut">
               <a:rPr lang="en-US" smtClean="0"/>
-              <a:t>9/28/2021</a:t>
+              <a:t>4/25/2022</a:t>
             </a:fld>
             <a:endParaRPr lang="en-US"/>
           </a:p>
@@ -654,7 +655,7 @@
           <a:p>
             <a:fld id="{82A2CD9B-2866-40B9-B522-5B6D6B340C34}" type="datetimeFigureOut">
               <a:rPr lang="en-US" smtClean="0"/>
-              <a:t>9/28/2021</a:t>
+              <a:t>4/25/2022</a:t>
             </a:fld>
             <a:endParaRPr lang="en-US"/>
           </a:p>
@@ -862,7 +863,7 @@
           <a:p>
             <a:fld id="{82A2CD9B-2866-40B9-B522-5B6D6B340C34}" type="datetimeFigureOut">
               <a:rPr lang="en-US" smtClean="0"/>
-              <a:t>9/28/2021</a:t>
+              <a:t>4/25/2022</a:t>
             </a:fld>
             <a:endParaRPr lang="en-US"/>
           </a:p>
@@ -1146,7 +1147,7 @@
           <a:p>
             <a:fld id="{82A2CD9B-2866-40B9-B522-5B6D6B340C34}" type="datetimeFigureOut">
               <a:rPr lang="en-US" smtClean="0"/>
-              <a:t>9/28/2021</a:t>
+              <a:t>4/25/2022</a:t>
             </a:fld>
             <a:endParaRPr lang="en-US"/>
           </a:p>
@@ -1416,7 +1417,7 @@
           <a:p>
             <a:fld id="{82A2CD9B-2866-40B9-B522-5B6D6B340C34}" type="datetimeFigureOut">
               <a:rPr lang="en-US" smtClean="0"/>
-              <a:t>9/28/2021</a:t>
+              <a:t>4/25/2022</a:t>
             </a:fld>
             <a:endParaRPr lang="en-US"/>
           </a:p>
@@ -1821,7 +1822,7 @@
           <a:p>
             <a:fld id="{82A2CD9B-2866-40B9-B522-5B6D6B340C34}" type="datetimeFigureOut">
               <a:rPr lang="en-US" smtClean="0"/>
-              <a:t>9/28/2021</a:t>
+              <a:t>4/25/2022</a:t>
             </a:fld>
             <a:endParaRPr lang="en-US"/>
           </a:p>
@@ -1977,7 +1978,7 @@
           <a:p>
             <a:fld id="{82A2CD9B-2866-40B9-B522-5B6D6B340C34}" type="datetimeFigureOut">
               <a:rPr lang="en-US" smtClean="0"/>
-              <a:t>9/28/2021</a:t>
+              <a:t>4/25/2022</a:t>
             </a:fld>
             <a:endParaRPr lang="en-US"/>
           </a:p>
@@ -2110,7 +2111,7 @@
           <a:p>
             <a:fld id="{82A2CD9B-2866-40B9-B522-5B6D6B340C34}" type="datetimeFigureOut">
               <a:rPr lang="en-US" smtClean="0"/>
-              <a:t>9/28/2021</a:t>
+              <a:t>4/25/2022</a:t>
             </a:fld>
             <a:endParaRPr lang="en-US"/>
           </a:p>
@@ -2425,7 +2426,7 @@
           <a:p>
             <a:fld id="{82A2CD9B-2866-40B9-B522-5B6D6B340C34}" type="datetimeFigureOut">
               <a:rPr lang="en-US" smtClean="0"/>
-              <a:t>9/28/2021</a:t>
+              <a:t>4/25/2022</a:t>
             </a:fld>
             <a:endParaRPr lang="en-US"/>
           </a:p>
@@ -2720,7 +2721,7 @@
           <a:p>
             <a:fld id="{82A2CD9B-2866-40B9-B522-5B6D6B340C34}" type="datetimeFigureOut">
               <a:rPr lang="en-US" smtClean="0"/>
-              <a:t>9/28/2021</a:t>
+              <a:t>4/25/2022</a:t>
             </a:fld>
             <a:endParaRPr lang="en-US"/>
           </a:p>
@@ -2982,7 +2983,7 @@
             <a:fld id="{82A2CD9B-2866-40B9-B522-5B6D6B340C34}" type="datetimeFigureOut">
               <a:rPr lang="en-US" smtClean="0"/>
               <a:pPr/>
-              <a:t>9/28/2021</a:t>
+              <a:t>4/25/2022</a:t>
             </a:fld>
             <a:endParaRPr lang="en-US" dirty="0"/>
           </a:p>
@@ -7353,6 +7354,279 @@
     <p:extLst>
       <p:ext uri="{BB962C8B-B14F-4D97-AF65-F5344CB8AC3E}">
         <p14:creationId xmlns:p14="http://schemas.microsoft.com/office/powerpoint/2010/main" val="3182695516"/>
+      </p:ext>
+    </p:extLst>
+  </p:cSld>
+  <p:clrMapOvr>
+    <a:masterClrMapping/>
+  </p:clrMapOvr>
+  <p:timing>
+    <p:tnLst>
+      <p:par>
+        <p:cTn id="1" dur="indefinite" restart="never" nodeType="tmRoot"/>
+      </p:par>
+    </p:tnLst>
+  </p:timing>
+</p:sld>
+</file>
+
+<file path=ppt/slides/slide17.xml><?xml version="1.0" encoding="utf-8"?>
+<p:sld xmlns:a="http://schemas.openxmlformats.org/drawingml/2006/main" xmlns:r="http://schemas.openxmlformats.org/officeDocument/2006/relationships" xmlns:p="http://schemas.openxmlformats.org/presentationml/2006/main">
+  <p:cSld>
+    <p:spTree>
+      <p:nvGrpSpPr>
+        <p:cNvPr id="1" name=""/>
+        <p:cNvGrpSpPr/>
+        <p:nvPr/>
+      </p:nvGrpSpPr>
+      <p:grpSpPr>
+        <a:xfrm>
+          <a:off x="0" y="0"/>
+          <a:ext cx="0" cy="0"/>
+          <a:chOff x="0" y="0"/>
+          <a:chExt cx="0" cy="0"/>
+        </a:xfrm>
+      </p:grpSpPr>
+      <p:sp>
+        <p:nvSpPr>
+          <p:cNvPr id="5" name="Title 4"/>
+          <p:cNvSpPr>
+            <a:spLocks noGrp="1"/>
+          </p:cNvSpPr>
+          <p:nvPr>
+            <p:ph type="title"/>
+          </p:nvPr>
+        </p:nvSpPr>
+        <p:spPr/>
+        <p:txBody>
+          <a:bodyPr/>
+          <a:lstStyle/>
+          <a:p>
+            <a:r>
+              <a:rPr lang="en-US" dirty="0" smtClean="0"/>
+              <a:t>Resources</a:t>
+            </a:r>
+            <a:endParaRPr lang="en-US" dirty="0"/>
+          </a:p>
+        </p:txBody>
+      </p:sp>
+      <p:sp>
+        <p:nvSpPr>
+          <p:cNvPr id="6" name="Content Placeholder 5"/>
+          <p:cNvSpPr>
+            <a:spLocks noGrp="1"/>
+          </p:cNvSpPr>
+          <p:nvPr>
+            <p:ph idx="1"/>
+          </p:nvPr>
+        </p:nvSpPr>
+        <p:spPr/>
+        <p:txBody>
+          <a:bodyPr>
+            <a:noAutofit/>
+          </a:bodyPr>
+          <a:lstStyle/>
+          <a:p>
+            <a:pPr marL="0" indent="0">
+              <a:buNone/>
+            </a:pPr>
+            <a:r>
+              <a:rPr lang="en-US" sz="2000" dirty="0" smtClean="0"/>
+              <a:t>BrAPI </a:t>
+            </a:r>
+            <a:r>
+              <a:rPr lang="en-US" sz="2000" dirty="0"/>
+              <a:t>Specification</a:t>
+            </a:r>
+          </a:p>
+          <a:p>
+            <a:pPr marL="457189" lvl="1" indent="0">
+              <a:buNone/>
+            </a:pPr>
+            <a:r>
+              <a:rPr lang="en-US" sz="1600" dirty="0" smtClean="0">
+                <a:hlinkClick r:id="rId2"/>
+              </a:rPr>
+              <a:t>https</a:t>
+            </a:r>
+            <a:r>
+              <a:rPr lang="en-US" sz="1600" dirty="0">
+                <a:hlinkClick r:id="rId2"/>
+              </a:rPr>
+              <a:t>://brapi.org/specification</a:t>
+            </a:r>
+            <a:endParaRPr lang="en-US" sz="1600" dirty="0"/>
+          </a:p>
+          <a:p>
+            <a:pPr marL="0" indent="0">
+              <a:buNone/>
+            </a:pPr>
+            <a:r>
+              <a:rPr lang="en-US" sz="2000" dirty="0"/>
+              <a:t>BrAPI </a:t>
+            </a:r>
+            <a:r>
+              <a:rPr lang="en-US" sz="2000" dirty="0" smtClean="0"/>
+              <a:t>Wiki</a:t>
+            </a:r>
+            <a:endParaRPr lang="en-US" sz="2000" dirty="0"/>
+          </a:p>
+          <a:p>
+            <a:pPr marL="457189" lvl="1" indent="0">
+              <a:buNone/>
+            </a:pPr>
+            <a:r>
+              <a:rPr lang="en-US" sz="1600" dirty="0" smtClean="0">
+                <a:hlinkClick r:id="rId3"/>
+              </a:rPr>
+              <a:t>https</a:t>
+            </a:r>
+            <a:r>
+              <a:rPr lang="en-US" sz="1600" dirty="0">
+                <a:hlinkClick r:id="rId3"/>
+              </a:rPr>
+              <a:t>://</a:t>
+            </a:r>
+            <a:r>
+              <a:rPr lang="en-US" sz="1600" dirty="0" smtClean="0">
+                <a:hlinkClick r:id="rId3"/>
+              </a:rPr>
+              <a:t>wiki.brapi.org/index.php/BrAPI</a:t>
+            </a:r>
+            <a:endParaRPr lang="en-US" sz="1600" dirty="0" smtClean="0"/>
+          </a:p>
+          <a:p>
+            <a:pPr marL="0" indent="0">
+              <a:buNone/>
+            </a:pPr>
+            <a:r>
+              <a:rPr lang="en-US" sz="2000" dirty="0" smtClean="0"/>
+              <a:t>BrAPI Code Libraries</a:t>
+            </a:r>
+          </a:p>
+          <a:p>
+            <a:pPr marL="457189" lvl="1" indent="0">
+              <a:buNone/>
+            </a:pPr>
+            <a:r>
+              <a:rPr lang="en-US" sz="1600" dirty="0">
+                <a:hlinkClick r:id="rId4"/>
+              </a:rPr>
+              <a:t>https://</a:t>
+            </a:r>
+            <a:r>
+              <a:rPr lang="en-US" sz="1600" dirty="0" smtClean="0">
+                <a:hlinkClick r:id="rId4"/>
+              </a:rPr>
+              <a:t>brapi.org/libraries</a:t>
+            </a:r>
+            <a:endParaRPr lang="en-US" sz="1600" dirty="0" smtClean="0"/>
+          </a:p>
+          <a:p>
+            <a:pPr marL="0" indent="0">
+              <a:buNone/>
+            </a:pPr>
+            <a:r>
+              <a:rPr lang="en-US" sz="2000" dirty="0" smtClean="0"/>
+              <a:t>BRAPPS List</a:t>
+            </a:r>
+          </a:p>
+          <a:p>
+            <a:pPr marL="457189" lvl="1" indent="0">
+              <a:buNone/>
+            </a:pPr>
+            <a:r>
+              <a:rPr lang="en-US" sz="1600" dirty="0">
+                <a:hlinkClick r:id="rId5"/>
+              </a:rPr>
+              <a:t>https://</a:t>
+            </a:r>
+            <a:r>
+              <a:rPr lang="en-US" sz="1600" dirty="0" smtClean="0">
+                <a:hlinkClick r:id="rId5"/>
+              </a:rPr>
+              <a:t>brapi.org/brapps</a:t>
+            </a:r>
+            <a:endParaRPr lang="en-US" sz="1600" dirty="0" smtClean="0"/>
+          </a:p>
+          <a:p>
+            <a:pPr marL="0" indent="0">
+              <a:buNone/>
+            </a:pPr>
+            <a:r>
+              <a:rPr lang="en-US" sz="2000" dirty="0" smtClean="0"/>
+              <a:t>BrAPI Server List</a:t>
+            </a:r>
+          </a:p>
+          <a:p>
+            <a:pPr marL="457189" lvl="1" indent="0">
+              <a:buNone/>
+            </a:pPr>
+            <a:r>
+              <a:rPr lang="en-US" sz="1600" dirty="0">
+                <a:hlinkClick r:id="rId6"/>
+              </a:rPr>
+              <a:t>https://</a:t>
+            </a:r>
+            <a:r>
+              <a:rPr lang="en-US" sz="1600" dirty="0" smtClean="0">
+                <a:hlinkClick r:id="rId6"/>
+              </a:rPr>
+              <a:t>brapi.org/servers</a:t>
+            </a:r>
+            <a:endParaRPr lang="en-US" sz="1600" dirty="0" smtClean="0"/>
+          </a:p>
+          <a:p>
+            <a:pPr marL="0" indent="0">
+              <a:buNone/>
+            </a:pPr>
+            <a:r>
+              <a:rPr lang="en-US" sz="2000" dirty="0" smtClean="0"/>
+              <a:t>Testing Tools</a:t>
+            </a:r>
+          </a:p>
+          <a:p>
+            <a:pPr marL="457189" lvl="1" indent="0">
+              <a:buNone/>
+            </a:pPr>
+            <a:r>
+              <a:rPr lang="en-US" sz="1600" dirty="0">
+                <a:hlinkClick r:id="rId7"/>
+              </a:rPr>
+              <a:t>https://webapps.ipk-gatersleben.de/brapivalidator</a:t>
+            </a:r>
+            <a:r>
+              <a:rPr lang="en-US" sz="1600" dirty="0" smtClean="0">
+                <a:hlinkClick r:id="rId7"/>
+              </a:rPr>
+              <a:t>/</a:t>
+            </a:r>
+            <a:endParaRPr lang="en-US" sz="1600" dirty="0" smtClean="0"/>
+          </a:p>
+          <a:p>
+            <a:pPr marL="457189" lvl="1" indent="0">
+              <a:buNone/>
+            </a:pPr>
+            <a:r>
+              <a:rPr lang="en-US" sz="1600" dirty="0">
+                <a:hlinkClick r:id="rId8"/>
+              </a:rPr>
+              <a:t>https://test-server.brapi.org/brapi/v2</a:t>
+            </a:r>
+            <a:r>
+              <a:rPr lang="en-US" sz="1600" dirty="0" smtClean="0">
+                <a:hlinkClick r:id="rId8"/>
+              </a:rPr>
+              <a:t>/</a:t>
+            </a:r>
+            <a:endParaRPr lang="en-US" sz="1600" dirty="0" smtClean="0"/>
+          </a:p>
+        </p:txBody>
+      </p:sp>
+    </p:spTree>
+    <p:extLst>
+      <p:ext uri="{BB962C8B-B14F-4D97-AF65-F5344CB8AC3E}">
+        <p14:creationId xmlns:p14="http://schemas.microsoft.com/office/powerpoint/2010/main" val="1445589716"/>
       </p:ext>
     </p:extLst>
   </p:cSld>
@@ -9288,6 +9562,72 @@
           <a:chExt cx="0" cy="0"/>
         </a:xfrm>
       </p:grpSpPr>
+      <p:pic>
+        <p:nvPicPr>
+          <p:cNvPr id="7" name="Content Placeholder 6"/>
+          <p:cNvPicPr>
+            <a:picLocks noGrp="1" noChangeAspect="1"/>
+          </p:cNvPicPr>
+          <p:nvPr>
+            <p:ph idx="1"/>
+          </p:nvPr>
+        </p:nvPicPr>
+        <p:blipFill>
+          <a:blip r:embed="rId2" cstate="print">
+            <a:extLst>
+              <a:ext uri="{28A0092B-C50C-407E-A947-70E740481C1C}">
+                <a14:useLocalDpi xmlns:a14="http://schemas.microsoft.com/office/drawing/2010/main" val="0"/>
+              </a:ext>
+            </a:extLst>
+          </a:blip>
+          <a:stretch>
+            <a:fillRect/>
+          </a:stretch>
+        </p:blipFill>
+        <p:spPr>
+          <a:xfrm>
+            <a:off x="69368" y="83318"/>
+            <a:ext cx="12076386" cy="6681436"/>
+          </a:xfrm>
+        </p:spPr>
+      </p:pic>
+    </p:spTree>
+    <p:extLst>
+      <p:ext uri="{BB962C8B-B14F-4D97-AF65-F5344CB8AC3E}">
+        <p14:creationId xmlns:p14="http://schemas.microsoft.com/office/powerpoint/2010/main" val="4180834510"/>
+      </p:ext>
+    </p:extLst>
+  </p:cSld>
+  <p:clrMapOvr>
+    <a:masterClrMapping/>
+  </p:clrMapOvr>
+  <p:timing>
+    <p:tnLst>
+      <p:par>
+        <p:cTn id="1" dur="indefinite" restart="never" nodeType="tmRoot"/>
+      </p:par>
+    </p:tnLst>
+  </p:timing>
+</p:sld>
+</file>
+
+<file path=ppt/slides/slide8.xml><?xml version="1.0" encoding="utf-8"?>
+<p:sld xmlns:a="http://schemas.openxmlformats.org/drawingml/2006/main" xmlns:r="http://schemas.openxmlformats.org/officeDocument/2006/relationships" xmlns:p="http://schemas.openxmlformats.org/presentationml/2006/main">
+  <p:cSld>
+    <p:spTree>
+      <p:nvGrpSpPr>
+        <p:cNvPr id="1" name=""/>
+        <p:cNvGrpSpPr/>
+        <p:nvPr/>
+      </p:nvGrpSpPr>
+      <p:grpSpPr>
+        <a:xfrm>
+          <a:off x="0" y="0"/>
+          <a:ext cx="0" cy="0"/>
+          <a:chOff x="0" y="0"/>
+          <a:chExt cx="0" cy="0"/>
+        </a:xfrm>
+      </p:grpSpPr>
       <p:sp>
         <p:nvSpPr>
           <p:cNvPr id="2" name="Title 1"/>
@@ -9890,7 +10230,7 @@
 </p:sld>
 </file>
 
-<file path=ppt/slides/slide8.xml><?xml version="1.0" encoding="utf-8"?>
+<file path=ppt/slides/slide9.xml><?xml version="1.0" encoding="utf-8"?>
 <p:sld xmlns:a="http://schemas.openxmlformats.org/drawingml/2006/main" xmlns:r="http://schemas.openxmlformats.org/officeDocument/2006/relationships" xmlns:p="http://schemas.openxmlformats.org/presentationml/2006/main">
   <p:cSld>
     <p:spTree>
@@ -9953,65 +10293,6 @@
       </p:par>
     </p:tnLst>
   </p:timing>
-</p:sld>
-</file>
-
-<file path=ppt/slides/slide9.xml><?xml version="1.0" encoding="utf-8"?>
-<p:sld xmlns:a="http://schemas.openxmlformats.org/drawingml/2006/main" xmlns:r="http://schemas.openxmlformats.org/officeDocument/2006/relationships" xmlns:p="http://schemas.openxmlformats.org/presentationml/2006/main">
-  <p:cSld>
-    <p:spTree>
-      <p:nvGrpSpPr>
-        <p:cNvPr id="1" name=""/>
-        <p:cNvGrpSpPr/>
-        <p:nvPr/>
-      </p:nvGrpSpPr>
-      <p:grpSpPr>
-        <a:xfrm>
-          <a:off x="0" y="0"/>
-          <a:ext cx="0" cy="0"/>
-          <a:chOff x="0" y="0"/>
-          <a:chExt cx="0" cy="0"/>
-        </a:xfrm>
-      </p:grpSpPr>
-      <p:pic>
-        <p:nvPicPr>
-          <p:cNvPr id="7" name="Content Placeholder 6"/>
-          <p:cNvPicPr>
-            <a:picLocks noGrp="1" noChangeAspect="1"/>
-          </p:cNvPicPr>
-          <p:nvPr>
-            <p:ph idx="1"/>
-          </p:nvPr>
-        </p:nvPicPr>
-        <p:blipFill>
-          <a:blip r:embed="rId2" cstate="print">
-            <a:extLst>
-              <a:ext uri="{28A0092B-C50C-407E-A947-70E740481C1C}">
-                <a14:useLocalDpi xmlns:a14="http://schemas.microsoft.com/office/drawing/2010/main" val="0"/>
-              </a:ext>
-            </a:extLst>
-          </a:blip>
-          <a:stretch>
-            <a:fillRect/>
-          </a:stretch>
-        </p:blipFill>
-        <p:spPr>
-          <a:xfrm>
-            <a:off x="69368" y="-9927"/>
-            <a:ext cx="12076386" cy="6867927"/>
-          </a:xfrm>
-        </p:spPr>
-      </p:pic>
-    </p:spTree>
-    <p:extLst>
-      <p:ext uri="{BB962C8B-B14F-4D97-AF65-F5344CB8AC3E}">
-        <p14:creationId xmlns:p14="http://schemas.microsoft.com/office/powerpoint/2010/main" val="4180834510"/>
-      </p:ext>
-    </p:extLst>
-  </p:cSld>
-  <p:clrMapOvr>
-    <a:masterClrMapping/>
-  </p:clrMapOvr>
 </p:sld>
 </file>
 

--- a/brapi-website-node/public/docs/BrAPI_101.pptx
+++ b/brapi-website-node/public/docs/BrAPI_101.pptx
@@ -259,7 +259,7 @@
           <a:p>
             <a:fld id="{82A2CD9B-2866-40B9-B522-5B6D6B340C34}" type="datetimeFigureOut">
               <a:rPr lang="en-US" smtClean="0"/>
-              <a:t>4/25/2022</a:t>
+              <a:t>10/21/2022</a:t>
             </a:fld>
             <a:endParaRPr lang="en-US"/>
           </a:p>
@@ -437,7 +437,7 @@
           <a:p>
             <a:fld id="{82A2CD9B-2866-40B9-B522-5B6D6B340C34}" type="datetimeFigureOut">
               <a:rPr lang="en-US" smtClean="0"/>
-              <a:t>4/25/2022</a:t>
+              <a:t>10/21/2022</a:t>
             </a:fld>
             <a:endParaRPr lang="en-US"/>
           </a:p>
@@ -655,7 +655,7 @@
           <a:p>
             <a:fld id="{82A2CD9B-2866-40B9-B522-5B6D6B340C34}" type="datetimeFigureOut">
               <a:rPr lang="en-US" smtClean="0"/>
-              <a:t>4/25/2022</a:t>
+              <a:t>10/21/2022</a:t>
             </a:fld>
             <a:endParaRPr lang="en-US"/>
           </a:p>
@@ -863,7 +863,7 @@
           <a:p>
             <a:fld id="{82A2CD9B-2866-40B9-B522-5B6D6B340C34}" type="datetimeFigureOut">
               <a:rPr lang="en-US" smtClean="0"/>
-              <a:t>4/25/2022</a:t>
+              <a:t>10/21/2022</a:t>
             </a:fld>
             <a:endParaRPr lang="en-US"/>
           </a:p>
@@ -1147,7 +1147,7 @@
           <a:p>
             <a:fld id="{82A2CD9B-2866-40B9-B522-5B6D6B340C34}" type="datetimeFigureOut">
               <a:rPr lang="en-US" smtClean="0"/>
-              <a:t>4/25/2022</a:t>
+              <a:t>10/21/2022</a:t>
             </a:fld>
             <a:endParaRPr lang="en-US"/>
           </a:p>
@@ -1417,7 +1417,7 @@
           <a:p>
             <a:fld id="{82A2CD9B-2866-40B9-B522-5B6D6B340C34}" type="datetimeFigureOut">
               <a:rPr lang="en-US" smtClean="0"/>
-              <a:t>4/25/2022</a:t>
+              <a:t>10/21/2022</a:t>
             </a:fld>
             <a:endParaRPr lang="en-US"/>
           </a:p>
@@ -1822,7 +1822,7 @@
           <a:p>
             <a:fld id="{82A2CD9B-2866-40B9-B522-5B6D6B340C34}" type="datetimeFigureOut">
               <a:rPr lang="en-US" smtClean="0"/>
-              <a:t>4/25/2022</a:t>
+              <a:t>10/21/2022</a:t>
             </a:fld>
             <a:endParaRPr lang="en-US"/>
           </a:p>
@@ -1978,7 +1978,7 @@
           <a:p>
             <a:fld id="{82A2CD9B-2866-40B9-B522-5B6D6B340C34}" type="datetimeFigureOut">
               <a:rPr lang="en-US" smtClean="0"/>
-              <a:t>4/25/2022</a:t>
+              <a:t>10/21/2022</a:t>
             </a:fld>
             <a:endParaRPr lang="en-US"/>
           </a:p>
@@ -2111,7 +2111,7 @@
           <a:p>
             <a:fld id="{82A2CD9B-2866-40B9-B522-5B6D6B340C34}" type="datetimeFigureOut">
               <a:rPr lang="en-US" smtClean="0"/>
-              <a:t>4/25/2022</a:t>
+              <a:t>10/21/2022</a:t>
             </a:fld>
             <a:endParaRPr lang="en-US"/>
           </a:p>
@@ -2426,7 +2426,7 @@
           <a:p>
             <a:fld id="{82A2CD9B-2866-40B9-B522-5B6D6B340C34}" type="datetimeFigureOut">
               <a:rPr lang="en-US" smtClean="0"/>
-              <a:t>4/25/2022</a:t>
+              <a:t>10/21/2022</a:t>
             </a:fld>
             <a:endParaRPr lang="en-US"/>
           </a:p>
@@ -2721,7 +2721,7 @@
           <a:p>
             <a:fld id="{82A2CD9B-2866-40B9-B522-5B6D6B340C34}" type="datetimeFigureOut">
               <a:rPr lang="en-US" smtClean="0"/>
-              <a:t>4/25/2022</a:t>
+              <a:t>10/21/2022</a:t>
             </a:fld>
             <a:endParaRPr lang="en-US"/>
           </a:p>
@@ -2983,7 +2983,7 @@
             <a:fld id="{82A2CD9B-2866-40B9-B522-5B6D6B340C34}" type="datetimeFigureOut">
               <a:rPr lang="en-US" smtClean="0"/>
               <a:pPr/>
-              <a:t>4/25/2022</a:t>
+              <a:t>10/21/2022</a:t>
             </a:fld>
             <a:endParaRPr lang="en-US" dirty="0"/>
           </a:p>
@@ -5102,7 +5102,7 @@
         <p:spPr/>
         <p:txBody>
           <a:bodyPr>
-            <a:normAutofit fontScale="55000" lnSpcReduction="20000"/>
+            <a:normAutofit fontScale="47500" lnSpcReduction="20000"/>
           </a:bodyPr>
           <a:lstStyle/>
           <a:p>
@@ -5139,44 +5139,6 @@
             <a:r>
               <a:rPr lang="en-US" dirty="0" smtClean="0"/>
               <a:t>The status key contains an array of Status objects. This allows the server to provide human readable messages which explain what has happened during a particular request. </a:t>
-            </a:r>
-          </a:p>
-          <a:p>
-            <a:pPr>
-              <a:lnSpc>
-                <a:spcPct val="120000"/>
-              </a:lnSpc>
-            </a:pPr>
-            <a:r>
-              <a:rPr lang="en-US" dirty="0" smtClean="0"/>
-              <a:t>“</a:t>
-            </a:r>
-            <a:r>
-              <a:rPr lang="en-US" dirty="0" err="1" smtClean="0"/>
-              <a:t>datafiles</a:t>
-            </a:r>
-            <a:r>
-              <a:rPr lang="en-US" dirty="0" smtClean="0"/>
-              <a:t>”</a:t>
-            </a:r>
-            <a:r>
-              <a:rPr lang="en-US" dirty="0"/>
-              <a:t/>
-            </a:r>
-            <a:br>
-              <a:rPr lang="en-US" dirty="0"/>
-            </a:br>
-            <a:r>
-              <a:rPr lang="en-US" dirty="0" smtClean="0"/>
-              <a:t>The </a:t>
-            </a:r>
-            <a:r>
-              <a:rPr lang="en-US" dirty="0" err="1" smtClean="0"/>
-              <a:t>datafiles</a:t>
-            </a:r>
-            <a:r>
-              <a:rPr lang="en-US" dirty="0" smtClean="0"/>
-              <a:t> key contains an array of string values. Each string should reference a URI for a data file related to the returned data. These could be things like reference documentation, images, or raw data files.</a:t>
             </a:r>
           </a:p>
         </p:txBody>
@@ -5209,7 +5171,7 @@
         </p:spPr>
         <p:txBody>
           <a:bodyPr>
-            <a:normAutofit fontScale="55000" lnSpcReduction="20000"/>
+            <a:normAutofit fontScale="47500" lnSpcReduction="20000"/>
           </a:bodyPr>
           <a:lstStyle/>
           <a:p>
@@ -5582,13 +5544,13 @@
               <a:t>status" : </a:t>
             </a:r>
             <a:r>
-              <a:rPr lang="en-US" dirty="0" smtClean="0">
-                <a:solidFill>
-                  <a:schemeClr val="tx1"/>
-                </a:solidFill>
-                <a:latin typeface="Consolas" panose="020B0609020204030204" pitchFamily="49" charset="0"/>
-              </a:rPr>
-              <a:t>[ { </a:t>
+              <a:rPr lang="en-US" dirty="0">
+                <a:solidFill>
+                  <a:schemeClr val="tx1"/>
+                </a:solidFill>
+                <a:latin typeface="Consolas" panose="020B0609020204030204" pitchFamily="49" charset="0"/>
+              </a:rPr>
+              <a:t>[{ </a:t>
             </a:r>
           </a:p>
           <a:p>
@@ -5608,34 +5570,7 @@
                 </a:solidFill>
                 <a:latin typeface="Consolas" panose="020B0609020204030204" pitchFamily="49" charset="0"/>
               </a:rPr>
-              <a:t> </a:t>
-            </a:r>
-            <a:r>
-              <a:rPr lang="en-US" dirty="0" smtClean="0">
-                <a:solidFill>
-                  <a:schemeClr val="tx1"/>
-                </a:solidFill>
-                <a:latin typeface="Consolas" panose="020B0609020204030204" pitchFamily="49" charset="0"/>
-              </a:rPr>
-              <a:t>   "</a:t>
-            </a:r>
-            <a:r>
-              <a:rPr lang="en-US" dirty="0">
-                <a:solidFill>
-                  <a:schemeClr val="tx1"/>
-                </a:solidFill>
-                <a:latin typeface="Consolas" panose="020B0609020204030204" pitchFamily="49" charset="0"/>
-              </a:rPr>
-              <a:t>code" : "</a:t>
-            </a:r>
-            <a:r>
-              <a:rPr lang="en-US" dirty="0" smtClean="0">
-                <a:solidFill>
-                  <a:schemeClr val="tx1"/>
-                </a:solidFill>
-                <a:latin typeface="Consolas" panose="020B0609020204030204" pitchFamily="49" charset="0"/>
-              </a:rPr>
-              <a:t>Info", </a:t>
+              <a:t>    "code" : "Info", </a:t>
             </a:r>
           </a:p>
           <a:p>
@@ -5649,31 +5584,22 @@
               <a:buNone/>
             </a:pPr>
             <a:r>
+              <a:rPr lang="en-US" dirty="0">
+                <a:solidFill>
+                  <a:schemeClr val="tx1"/>
+                </a:solidFill>
+                <a:latin typeface="Consolas" panose="020B0609020204030204" pitchFamily="49" charset="0"/>
+              </a:rPr>
+              <a:t>    "message" : </a:t>
+            </a:r>
+            <a:r>
               <a:rPr lang="en-US" dirty="0" smtClean="0">
                 <a:solidFill>
                   <a:schemeClr val="tx1"/>
                 </a:solidFill>
                 <a:latin typeface="Consolas" panose="020B0609020204030204" pitchFamily="49" charset="0"/>
               </a:rPr>
-              <a:t>    "</a:t>
-            </a:r>
-            <a:r>
-              <a:rPr lang="en-US" dirty="0">
-                <a:solidFill>
-                  <a:schemeClr val="tx1"/>
-                </a:solidFill>
-                <a:latin typeface="Consolas" panose="020B0609020204030204" pitchFamily="49" charset="0"/>
-              </a:rPr>
-              <a:t>message" : "Success</a:t>
-            </a:r>
-            <a:r>
-              <a:rPr lang="en-US" dirty="0" smtClean="0">
-                <a:solidFill>
-                  <a:schemeClr val="tx1"/>
-                </a:solidFill>
-                <a:latin typeface="Consolas" panose="020B0609020204030204" pitchFamily="49" charset="0"/>
-              </a:rPr>
-              <a:t>"</a:t>
+              <a:t>“Request Received"</a:t>
             </a:r>
             <a:endParaRPr lang="en-US" dirty="0">
               <a:solidFill>
@@ -5693,13 +5619,31 @@
               <a:buNone/>
             </a:pPr>
             <a:r>
+              <a:rPr lang="en-US" dirty="0">
+                <a:solidFill>
+                  <a:schemeClr val="tx1"/>
+                </a:solidFill>
+                <a:latin typeface="Consolas" panose="020B0609020204030204" pitchFamily="49" charset="0"/>
+              </a:rPr>
+              <a:t>  </a:t>
+            </a:r>
+            <a:r>
               <a:rPr lang="en-US" dirty="0" smtClean="0">
                 <a:solidFill>
                   <a:schemeClr val="tx1"/>
                 </a:solidFill>
                 <a:latin typeface="Consolas" panose="020B0609020204030204" pitchFamily="49" charset="0"/>
               </a:rPr>
-              <a:t>  } ],</a:t>
+              <a:t>},</a:t>
+            </a:r>
+            <a:r>
+              <a:rPr lang="en-US" dirty="0">
+                <a:solidFill>
+                  <a:schemeClr val="tx1"/>
+                </a:solidFill>
+                <a:latin typeface="Consolas" panose="020B0609020204030204" pitchFamily="49" charset="0"/>
+              </a:rPr>
+              <a:t> { </a:t>
             </a:r>
           </a:p>
           <a:p>
@@ -5713,32 +5657,29 @@
               <a:buNone/>
             </a:pPr>
             <a:r>
+              <a:rPr lang="en-US" dirty="0">
+                <a:solidFill>
+                  <a:schemeClr val="tx1"/>
+                </a:solidFill>
+                <a:latin typeface="Consolas" panose="020B0609020204030204" pitchFamily="49" charset="0"/>
+              </a:rPr>
+              <a:t>    "code" : </a:t>
+            </a:r>
+            <a:r>
               <a:rPr lang="en-US" dirty="0" smtClean="0">
                 <a:solidFill>
                   <a:schemeClr val="tx1"/>
                 </a:solidFill>
                 <a:latin typeface="Consolas" panose="020B0609020204030204" pitchFamily="49" charset="0"/>
               </a:rPr>
-              <a:t>  "</a:t>
-            </a:r>
-            <a:r>
-              <a:rPr lang="en-US" dirty="0" err="1" smtClean="0">
-                <a:solidFill>
-                  <a:schemeClr val="tx1"/>
-                </a:solidFill>
-                <a:latin typeface="Consolas" panose="020B0609020204030204" pitchFamily="49" charset="0"/>
-              </a:rPr>
-              <a:t>datafiles</a:t>
-            </a:r>
-            <a:r>
-              <a:rPr lang="en-US" dirty="0" smtClean="0">
-                <a:solidFill>
-                  <a:schemeClr val="tx1"/>
-                </a:solidFill>
-                <a:latin typeface="Consolas" panose="020B0609020204030204" pitchFamily="49" charset="0"/>
-              </a:rPr>
-              <a:t>" : [</a:t>
-            </a:r>
+              <a:t>“Warning", </a:t>
+            </a:r>
+            <a:endParaRPr lang="en-US" dirty="0">
+              <a:solidFill>
+                <a:schemeClr val="tx1"/>
+              </a:solidFill>
+              <a:latin typeface="Consolas" panose="020B0609020204030204" pitchFamily="49" charset="0"/>
+            </a:endParaRPr>
           </a:p>
           <a:p>
             <a:pPr marL="0" indent="0">
@@ -5757,7 +5698,7 @@
                 </a:solidFill>
                 <a:latin typeface="Consolas" panose="020B0609020204030204" pitchFamily="49" charset="0"/>
               </a:rPr>
-              <a:t> </a:t>
+              <a:t>    "message" : </a:t>
             </a:r>
             <a:r>
               <a:rPr lang="en-US" dirty="0" smtClean="0">
@@ -5766,26 +5707,14 @@
                 </a:solidFill>
                 <a:latin typeface="Consolas" panose="020B0609020204030204" pitchFamily="49" charset="0"/>
               </a:rPr>
-              <a:t>   "brapi.org/</a:t>
-            </a:r>
-            <a:r>
-              <a:rPr lang="en-US" dirty="0" err="1" smtClean="0">
-                <a:solidFill>
-                  <a:schemeClr val="tx1"/>
-                </a:solidFill>
-                <a:latin typeface="Consolas" panose="020B0609020204030204" pitchFamily="49" charset="0"/>
-              </a:rPr>
-              <a:t>mnt</a:t>
-            </a:r>
-            <a:r>
-              <a:rPr lang="en-US" dirty="0" smtClean="0">
-                <a:solidFill>
-                  <a:schemeClr val="tx1"/>
-                </a:solidFill>
-                <a:latin typeface="Consolas" panose="020B0609020204030204" pitchFamily="49" charset="0"/>
-              </a:rPr>
-              <a:t>/local/appendix_01.csv",</a:t>
-            </a:r>
+              <a:t>“Value ‘xyz’ ignored"</a:t>
+            </a:r>
+            <a:endParaRPr lang="en-US" dirty="0">
+              <a:solidFill>
+                <a:schemeClr val="tx1"/>
+              </a:solidFill>
+              <a:latin typeface="Consolas" panose="020B0609020204030204" pitchFamily="49" charset="0"/>
+            </a:endParaRPr>
           </a:p>
           <a:p>
             <a:pPr marL="0" indent="0">
@@ -5798,32 +5727,29 @@
               <a:buNone/>
             </a:pPr>
             <a:r>
+              <a:rPr lang="en-US" dirty="0">
+                <a:solidFill>
+                  <a:schemeClr val="tx1"/>
+                </a:solidFill>
+                <a:latin typeface="Consolas" panose="020B0609020204030204" pitchFamily="49" charset="0"/>
+              </a:rPr>
+              <a:t>  }, </a:t>
+            </a:r>
+            <a:r>
               <a:rPr lang="en-US" dirty="0" smtClean="0">
                 <a:solidFill>
                   <a:schemeClr val="tx1"/>
                 </a:solidFill>
                 <a:latin typeface="Consolas" panose="020B0609020204030204" pitchFamily="49" charset="0"/>
               </a:rPr>
-              <a:t>    "brapi.org/</a:t>
-            </a:r>
-            <a:r>
-              <a:rPr lang="en-US" dirty="0" err="1" smtClean="0">
-                <a:solidFill>
-                  <a:schemeClr val="tx1"/>
-                </a:solidFill>
-                <a:latin typeface="Consolas" panose="020B0609020204030204" pitchFamily="49" charset="0"/>
-              </a:rPr>
-              <a:t>mnt</a:t>
-            </a:r>
-            <a:r>
-              <a:rPr lang="en-US" dirty="0" smtClean="0">
-                <a:solidFill>
-                  <a:schemeClr val="tx1"/>
-                </a:solidFill>
-                <a:latin typeface="Consolas" panose="020B0609020204030204" pitchFamily="49" charset="0"/>
-              </a:rPr>
-              <a:t>/local/appendix_02.csv"</a:t>
-            </a:r>
+              <a:t>{ </a:t>
+            </a:r>
+            <a:endParaRPr lang="en-US" dirty="0">
+              <a:solidFill>
+                <a:schemeClr val="tx1"/>
+              </a:solidFill>
+              <a:latin typeface="Consolas" panose="020B0609020204030204" pitchFamily="49" charset="0"/>
+            </a:endParaRPr>
           </a:p>
           <a:p>
             <a:pPr marL="0" indent="0">
@@ -5836,13 +5762,13 @@
               <a:buNone/>
             </a:pPr>
             <a:r>
-              <a:rPr lang="en-US" dirty="0" smtClean="0">
-                <a:solidFill>
-                  <a:schemeClr val="tx1"/>
-                </a:solidFill>
-                <a:latin typeface="Consolas" panose="020B0609020204030204" pitchFamily="49" charset="0"/>
-              </a:rPr>
-              <a:t>  ]</a:t>
+              <a:rPr lang="en-US" dirty="0">
+                <a:solidFill>
+                  <a:schemeClr val="tx1"/>
+                </a:solidFill>
+                <a:latin typeface="Consolas" panose="020B0609020204030204" pitchFamily="49" charset="0"/>
+              </a:rPr>
+              <a:t>    "code" : “Error", </a:t>
             </a:r>
           </a:p>
           <a:p>
@@ -5856,13 +5782,88 @@
               <a:buNone/>
             </a:pPr>
             <a:r>
+              <a:rPr lang="en-US" dirty="0">
+                <a:solidFill>
+                  <a:schemeClr val="tx1"/>
+                </a:solidFill>
+                <a:latin typeface="Consolas" panose="020B0609020204030204" pitchFamily="49" charset="0"/>
+              </a:rPr>
+              <a:t>    "message" : “Bad Parameter Value"</a:t>
+            </a:r>
+          </a:p>
+          <a:p>
+            <a:pPr marL="0" indent="0">
+              <a:lnSpc>
+                <a:spcPct val="120000"/>
+              </a:lnSpc>
+              <a:spcBef>
+                <a:spcPts val="0"/>
+              </a:spcBef>
+              <a:buNone/>
+            </a:pPr>
+            <a:r>
+              <a:rPr lang="en-US" dirty="0">
+                <a:solidFill>
+                  <a:schemeClr val="tx1"/>
+                </a:solidFill>
+                <a:latin typeface="Consolas" panose="020B0609020204030204" pitchFamily="49" charset="0"/>
+              </a:rPr>
+              <a:t>  }, </a:t>
+            </a:r>
+          </a:p>
+          <a:p>
+            <a:pPr marL="0" indent="0">
+              <a:lnSpc>
+                <a:spcPct val="120000"/>
+              </a:lnSpc>
+              <a:spcBef>
+                <a:spcPts val="0"/>
+              </a:spcBef>
+              <a:buNone/>
+            </a:pPr>
+            <a:r>
               <a:rPr lang="en-US" dirty="0" smtClean="0">
                 <a:solidFill>
                   <a:schemeClr val="tx1"/>
                 </a:solidFill>
                 <a:latin typeface="Consolas" panose="020B0609020204030204" pitchFamily="49" charset="0"/>
               </a:rPr>
-              <a:t>} ...</a:t>
+              <a:t> ]</a:t>
+            </a:r>
+            <a:endParaRPr lang="en-US" dirty="0" smtClean="0">
+              <a:solidFill>
+                <a:schemeClr val="tx1"/>
+              </a:solidFill>
+              <a:latin typeface="Consolas" panose="020B0609020204030204" pitchFamily="49" charset="0"/>
+            </a:endParaRPr>
+          </a:p>
+          <a:p>
+            <a:pPr marL="0" indent="0">
+              <a:lnSpc>
+                <a:spcPct val="120000"/>
+              </a:lnSpc>
+              <a:spcBef>
+                <a:spcPts val="0"/>
+              </a:spcBef>
+              <a:buNone/>
+            </a:pPr>
+            <a:r>
+              <a:rPr lang="en-US" dirty="0" smtClean="0">
+                <a:solidFill>
+                  <a:schemeClr val="tx1"/>
+                </a:solidFill>
+                <a:latin typeface="Consolas" panose="020B0609020204030204" pitchFamily="49" charset="0"/>
+              </a:rPr>
+              <a:t>} </a:t>
+            </a:r>
+            <a:r>
+              <a:rPr lang="en-US" dirty="0" smtClean="0">
+                <a:solidFill>
+                  <a:schemeClr val="tx1"/>
+                </a:solidFill>
+                <a:latin typeface="Consolas" panose="020B0609020204030204" pitchFamily="49" charset="0"/>
+              </a:rPr>
+              <a:t>...</a:t>
             </a:r>
           </a:p>
           <a:p>
